--- a/WaveletAnalysis.pptx
+++ b/WaveletAnalysis.pptx
@@ -111,6 +111,11 @@
       </a:defRPr>
     </a:lvl9pPr>
   </p:defaultTextStyle>
+  <p:extLst>
+    <p:ext uri="{EFAFB233-063F-42B5-8137-9DF3F51BA10A}">
+      <p15:sldGuideLst xmlns:p15="http://schemas.microsoft.com/office/powerpoint/2012/main"/>
+    </p:ext>
+  </p:extLst>
 </p:presentation>
 </file>
 
@@ -3874,91 +3879,122 @@
           <a:chExt cx="0" cy="0"/>
         </a:xfrm>
       </p:grpSpPr>
-      <p:pic>
-        <p:nvPicPr>
-          <p:cNvPr id="4" name="Google Shape;84;p1">
-            <a:extLst>
-              <a:ext uri="{FF2B5EF4-FFF2-40B4-BE49-F238E27FC236}">
-                <a16:creationId xmlns:a16="http://schemas.microsoft.com/office/drawing/2014/main" id="{4ED8663B-DEC8-A033-3C15-5B4C5AA87BB4}"/>
-              </a:ext>
-            </a:extLst>
-          </p:cNvPr>
-          <p:cNvPicPr preferRelativeResize="0"/>
+      <p:grpSp>
+        <p:nvGrpSpPr>
+          <p:cNvPr id="6" name="Group 5">
+            <a:extLst>
+              <a:ext uri="{FF2B5EF4-FFF2-40B4-BE49-F238E27FC236}">
+                <a16:creationId xmlns:a16="http://schemas.microsoft.com/office/drawing/2014/main" id="{A398CB2D-DEA1-3470-550F-7565940FEF5A}"/>
+              </a:ext>
+            </a:extLst>
+          </p:cNvPr>
+          <p:cNvGrpSpPr/>
           <p:nvPr/>
-        </p:nvPicPr>
-        <p:blipFill>
-          <a:blip r:embed="rId2">
-            <a:alphaModFix/>
-          </a:blip>
-          <a:stretch>
-            <a:fillRect/>
-          </a:stretch>
-        </p:blipFill>
-        <p:spPr>
+        </p:nvGrpSpPr>
+        <p:grpSpPr>
           <a:xfrm>
-            <a:off x="0" y="0"/>
+            <a:off x="-78658" y="0"/>
             <a:ext cx="12270658" cy="6858000"/>
+            <a:chOff x="0" y="0"/>
+            <a:chExt cx="12270658" cy="6858000"/>
           </a:xfrm>
-          <a:prstGeom prst="rect">
-            <a:avLst/>
-          </a:prstGeom>
-          <a:noFill/>
-          <a:ln>
+        </p:grpSpPr>
+        <p:pic>
+          <p:nvPicPr>
+            <p:cNvPr id="4" name="Google Shape;84;p1">
+              <a:extLst>
+                <a:ext uri="{FF2B5EF4-FFF2-40B4-BE49-F238E27FC236}">
+                  <a16:creationId xmlns:a16="http://schemas.microsoft.com/office/drawing/2014/main" id="{4ED8663B-DEC8-A033-3C15-5B4C5AA87BB4}"/>
+                </a:ext>
+              </a:extLst>
+            </p:cNvPr>
+            <p:cNvPicPr preferRelativeResize="0"/>
+            <p:nvPr/>
+          </p:nvPicPr>
+          <p:blipFill>
+            <a:blip r:embed="rId2">
+              <a:alphaModFix/>
+            </a:blip>
+            <a:stretch>
+              <a:fillRect/>
+            </a:stretch>
+          </p:blipFill>
+          <p:spPr>
+            <a:xfrm>
+              <a:off x="0" y="0"/>
+              <a:ext cx="12270658" cy="6858000"/>
+            </a:xfrm>
+            <a:prstGeom prst="rect">
+              <a:avLst/>
+            </a:prstGeom>
             <a:noFill/>
-          </a:ln>
-        </p:spPr>
-      </p:pic>
-      <p:sp>
-        <p:nvSpPr>
-          <p:cNvPr id="5" name="Google Shape;85;p1">
-            <a:extLst>
-              <a:ext uri="{FF2B5EF4-FFF2-40B4-BE49-F238E27FC236}">
-                <a16:creationId xmlns:a16="http://schemas.microsoft.com/office/drawing/2014/main" id="{F8EA436E-E4E2-0E32-1520-3BF5871AEC4A}"/>
-              </a:ext>
-            </a:extLst>
-          </p:cNvPr>
-          <p:cNvSpPr txBox="1"/>
-          <p:nvPr/>
-        </p:nvSpPr>
-        <p:spPr>
-          <a:xfrm>
-            <a:off x="7027182" y="5341480"/>
-            <a:ext cx="4524600" cy="796800"/>
-          </a:xfrm>
-          <a:prstGeom prst="rect">
-            <a:avLst/>
-          </a:prstGeom>
-          <a:solidFill>
-            <a:srgbClr val="E1BC8A"/>
-          </a:solidFill>
-          <a:ln>
-            <a:noFill/>
-          </a:ln>
-          <a:effectLst>
-            <a:outerShdw blurRad="57150" dist="19050" dir="5400000" algn="bl" rotWithShape="0">
-              <a:schemeClr val="dk1">
-                <a:alpha val="50000"/>
-              </a:schemeClr>
-            </a:outerShdw>
-          </a:effectLst>
-        </p:spPr>
-        <p:txBody>
-          <a:bodyPr spcFirstLastPara="1" wrap="square" lIns="91425" tIns="91425" rIns="91425" bIns="91425" anchor="t" anchorCtr="0">
-            <a:noAutofit/>
-          </a:bodyPr>
-          <a:lstStyle/>
-          <a:p>
-            <a:pPr marL="0" lvl="0" indent="0" algn="ctr" rtl="0">
-              <a:spcBef>
-                <a:spcPts val="0"/>
-              </a:spcBef>
-              <a:spcAft>
-                <a:spcPts val="0"/>
-              </a:spcAft>
-              <a:buNone/>
-            </a:pPr>
-            <a:r>
-              <a:rPr lang="en-US" sz="4200" b="1" dirty="0">
+            <a:ln>
+              <a:noFill/>
+            </a:ln>
+          </p:spPr>
+        </p:pic>
+        <p:sp>
+          <p:nvSpPr>
+            <p:cNvPr id="5" name="Google Shape;85;p1">
+              <a:extLst>
+                <a:ext uri="{FF2B5EF4-FFF2-40B4-BE49-F238E27FC236}">
+                  <a16:creationId xmlns:a16="http://schemas.microsoft.com/office/drawing/2014/main" id="{F8EA436E-E4E2-0E32-1520-3BF5871AEC4A}"/>
+                </a:ext>
+              </a:extLst>
+            </p:cNvPr>
+            <p:cNvSpPr txBox="1"/>
+            <p:nvPr/>
+          </p:nvSpPr>
+          <p:spPr>
+            <a:xfrm>
+              <a:off x="7027182" y="5341480"/>
+              <a:ext cx="4524600" cy="796800"/>
+            </a:xfrm>
+            <a:prstGeom prst="rect">
+              <a:avLst/>
+            </a:prstGeom>
+            <a:solidFill>
+              <a:srgbClr val="E1BC8A"/>
+            </a:solidFill>
+            <a:ln>
+              <a:noFill/>
+            </a:ln>
+            <a:effectLst>
+              <a:outerShdw blurRad="57150" dist="19050" dir="5400000" algn="bl" rotWithShape="0">
+                <a:schemeClr val="dk1">
+                  <a:alpha val="50000"/>
+                </a:schemeClr>
+              </a:outerShdw>
+            </a:effectLst>
+          </p:spPr>
+          <p:txBody>
+            <a:bodyPr spcFirstLastPara="1" wrap="square" lIns="91425" tIns="91425" rIns="91425" bIns="91425" anchor="t" anchorCtr="0">
+              <a:noAutofit/>
+            </a:bodyPr>
+            <a:lstStyle/>
+            <a:p>
+              <a:pPr marL="0" lvl="0" indent="0" algn="ctr" rtl="0">
+                <a:spcBef>
+                  <a:spcPts val="0"/>
+                </a:spcBef>
+                <a:spcAft>
+                  <a:spcPts val="0"/>
+                </a:spcAft>
+                <a:buNone/>
+              </a:pPr>
+              <a:r>
+                <a:rPr lang="en-US" sz="4200" b="1" dirty="0">
+                  <a:solidFill>
+                    <a:schemeClr val="dk1"/>
+                  </a:solidFill>
+                  <a:latin typeface="Calibri"/>
+                  <a:ea typeface="Calibri"/>
+                  <a:cs typeface="Calibri"/>
+                  <a:sym typeface="Calibri"/>
+                </a:rPr>
+                <a:t>WAVELET ANALYSIS</a:t>
+              </a:r>
+              <a:endParaRPr sz="4200" b="1" dirty="0">
                 <a:solidFill>
                   <a:schemeClr val="dk1"/>
                 </a:solidFill>
@@ -3966,21 +4002,11 @@
                 <a:ea typeface="Calibri"/>
                 <a:cs typeface="Calibri"/>
                 <a:sym typeface="Calibri"/>
-              </a:rPr>
-              <a:t>WAVELET ANALYSIS</a:t>
-            </a:r>
-            <a:endParaRPr sz="4200" b="1" dirty="0">
-              <a:solidFill>
-                <a:schemeClr val="dk1"/>
-              </a:solidFill>
-              <a:latin typeface="Calibri"/>
-              <a:ea typeface="Calibri"/>
-              <a:cs typeface="Calibri"/>
-              <a:sym typeface="Calibri"/>
-            </a:endParaRPr>
-          </a:p>
-        </p:txBody>
-      </p:sp>
+              </a:endParaRPr>
+            </a:p>
+          </p:txBody>
+        </p:sp>
+      </p:grpSp>
     </p:spTree>
     <p:extLst>
       <p:ext uri="{BB962C8B-B14F-4D97-AF65-F5344CB8AC3E}">
@@ -4488,6 +4514,12 @@
 <file path=ppt/slides/slide4.xml><?xml version="1.0" encoding="utf-8"?>
 <p:sld xmlns:a="http://schemas.openxmlformats.org/drawingml/2006/main" xmlns:r="http://schemas.openxmlformats.org/officeDocument/2006/relationships" xmlns:p="http://schemas.openxmlformats.org/presentationml/2006/main">
   <p:cSld>
+    <p:bg>
+      <p:bgPr>
+        <a:noFill/>
+        <a:effectLst/>
+      </p:bgPr>
+    </p:bg>
     <p:spTree>
       <p:nvGrpSpPr>
         <p:cNvPr id="1" name=""/>
@@ -4538,58 +4570,445 @@
           </a:p>
         </p:txBody>
       </p:sp>
-      <p:sp>
-        <p:nvSpPr>
-          <p:cNvPr id="3" name="Content Placeholder 2">
-            <a:extLst>
-              <a:ext uri="{FF2B5EF4-FFF2-40B4-BE49-F238E27FC236}">
-                <a16:creationId xmlns:a16="http://schemas.microsoft.com/office/drawing/2014/main" id="{4D7AEBB3-55EA-C6E3-884E-48959C42C5A4}"/>
-              </a:ext>
-            </a:extLst>
-          </p:cNvPr>
-          <p:cNvSpPr>
-            <a:spLocks noGrp="1"/>
-          </p:cNvSpPr>
-          <p:nvPr>
-            <p:ph idx="1"/>
-          </p:nvPr>
+      <mc:AlternateContent xmlns:mc="http://schemas.openxmlformats.org/markup-compatibility/2006">
+        <mc:Choice xmlns:a14="http://schemas.microsoft.com/office/drawing/2010/main" Requires="a14">
+          <p:sp>
+            <p:nvSpPr>
+              <p:cNvPr id="3" name="Content Placeholder 2">
+                <a:extLst>
+                  <a:ext uri="{FF2B5EF4-FFF2-40B4-BE49-F238E27FC236}">
+                    <a16:creationId xmlns:a16="http://schemas.microsoft.com/office/drawing/2014/main" id="{4D7AEBB3-55EA-C6E3-884E-48959C42C5A4}"/>
+                  </a:ext>
+                </a:extLst>
+              </p:cNvPr>
+              <p:cNvSpPr>
+                <a:spLocks noGrp="1"/>
+              </p:cNvSpPr>
+              <p:nvPr>
+                <p:ph idx="1"/>
+              </p:nvPr>
+            </p:nvSpPr>
+            <p:spPr>
+              <a:xfrm>
+                <a:off x="838200" y="1184988"/>
+                <a:ext cx="10515600" cy="4991975"/>
+              </a:xfrm>
+            </p:spPr>
+            <p:txBody>
+              <a:bodyPr>
+                <a:normAutofit lnSpcReduction="10000"/>
+              </a:bodyPr>
+              <a:lstStyle/>
+              <a:p>
+                <a:pPr marL="0" indent="0">
+                  <a:buNone/>
+                </a:pPr>
+                <a:r>
+                  <a:rPr lang="en-US" dirty="0"/>
+                  <a:t>It is basically measure the amount of similarity between a wavelet with another continuous/discrete wave. (Inner Product)</a:t>
+                </a:r>
+              </a:p>
+              <a:p>
+                <a:r>
+                  <a:rPr lang="en-US" dirty="0"/>
+                  <a:t>Integral Wavelet Transform is given by</a:t>
+                </a:r>
+              </a:p>
+              <a:p>
+                <a:pPr marL="0" indent="0">
+                  <a:buNone/>
+                </a:pPr>
+                <a14:m>
+                  <m:oMathPara xmlns:m="http://schemas.openxmlformats.org/officeDocument/2006/math">
+                    <m:oMathParaPr>
+                      <m:jc m:val="centerGroup"/>
+                    </m:oMathParaPr>
+                    <m:oMath xmlns:m="http://schemas.openxmlformats.org/officeDocument/2006/math">
+                      <m:sSub>
+                        <m:sSubPr>
+                          <m:ctrlPr>
+                            <a:rPr lang="en-US" i="1" smtClean="0">
+                              <a:latin typeface="Cambria Math" panose="02040503050406030204" pitchFamily="18" charset="0"/>
+                            </a:rPr>
+                          </m:ctrlPr>
+                        </m:sSubPr>
+                        <m:e>
+                          <m:r>
+                            <a:rPr lang="en-US" b="0" i="1" smtClean="0">
+                              <a:latin typeface="Cambria Math" panose="02040503050406030204" pitchFamily="18" charset="0"/>
+                            </a:rPr>
+                            <m:t>[</m:t>
+                          </m:r>
+                          <m:r>
+                            <a:rPr lang="en-US" b="0" i="1" smtClean="0">
+                              <a:latin typeface="Cambria Math" panose="02040503050406030204" pitchFamily="18" charset="0"/>
+                            </a:rPr>
+                            <m:t>𝑊</m:t>
+                          </m:r>
+                        </m:e>
+                        <m:sub>
+                          <m:r>
+                            <a:rPr lang="en-US" i="1" smtClean="0">
+                              <a:latin typeface="Cambria Math" panose="02040503050406030204" pitchFamily="18" charset="0"/>
+                              <a:ea typeface="Cambria Math" panose="02040503050406030204" pitchFamily="18" charset="0"/>
+                            </a:rPr>
+                            <m:t>𝜓</m:t>
+                          </m:r>
+                        </m:sub>
+                      </m:sSub>
+                      <m:r>
+                        <a:rPr lang="en-US" b="0" i="1" smtClean="0">
+                          <a:latin typeface="Cambria Math" panose="02040503050406030204" pitchFamily="18" charset="0"/>
+                        </a:rPr>
+                        <m:t>]</m:t>
+                      </m:r>
+                      <m:d>
+                        <m:dPr>
+                          <m:ctrlPr>
+                            <a:rPr lang="en-US" b="0" i="1" smtClean="0">
+                              <a:latin typeface="Cambria Math" panose="02040503050406030204" pitchFamily="18" charset="0"/>
+                            </a:rPr>
+                          </m:ctrlPr>
+                        </m:dPr>
+                        <m:e>
+                          <m:r>
+                            <a:rPr lang="en-US" b="0" i="1" smtClean="0">
+                              <a:latin typeface="Cambria Math" panose="02040503050406030204" pitchFamily="18" charset="0"/>
+                            </a:rPr>
+                            <m:t>𝑎</m:t>
+                          </m:r>
+                          <m:r>
+                            <a:rPr lang="en-US" b="0" i="1" smtClean="0">
+                              <a:latin typeface="Cambria Math" panose="02040503050406030204" pitchFamily="18" charset="0"/>
+                            </a:rPr>
+                            <m:t>,</m:t>
+                          </m:r>
+                          <m:r>
+                            <a:rPr lang="en-US" b="0" i="1" smtClean="0">
+                              <a:latin typeface="Cambria Math" panose="02040503050406030204" pitchFamily="18" charset="0"/>
+                            </a:rPr>
+                            <m:t>𝑏</m:t>
+                          </m:r>
+                        </m:e>
+                      </m:d>
+                      <m:r>
+                        <a:rPr lang="en-US" b="0" i="1" smtClean="0">
+                          <a:latin typeface="Cambria Math" panose="02040503050406030204" pitchFamily="18" charset="0"/>
+                        </a:rPr>
+                        <m:t>=</m:t>
+                      </m:r>
+                      <m:f>
+                        <m:fPr>
+                          <m:ctrlPr>
+                            <a:rPr lang="en-US" b="0" i="1" smtClean="0">
+                              <a:latin typeface="Cambria Math" panose="02040503050406030204" pitchFamily="18" charset="0"/>
+                            </a:rPr>
+                          </m:ctrlPr>
+                        </m:fPr>
+                        <m:num>
+                          <m:r>
+                            <a:rPr lang="en-US" b="0" i="1" smtClean="0">
+                              <a:latin typeface="Cambria Math" panose="02040503050406030204" pitchFamily="18" charset="0"/>
+                            </a:rPr>
+                            <m:t>1</m:t>
+                          </m:r>
+                        </m:num>
+                        <m:den>
+                          <m:rad>
+                            <m:radPr>
+                              <m:degHide m:val="on"/>
+                              <m:ctrlPr>
+                                <a:rPr lang="en-US" b="0" i="1" smtClean="0">
+                                  <a:latin typeface="Cambria Math" panose="02040503050406030204" pitchFamily="18" charset="0"/>
+                                  <a:ea typeface="Cambria Math" panose="02040503050406030204" pitchFamily="18" charset="0"/>
+                                </a:rPr>
+                              </m:ctrlPr>
+                            </m:radPr>
+                            <m:deg/>
+                            <m:e>
+                              <m:r>
+                                <a:rPr lang="en-US" b="0" i="1" smtClean="0">
+                                  <a:latin typeface="Cambria Math" panose="02040503050406030204" pitchFamily="18" charset="0"/>
+                                  <a:ea typeface="Cambria Math" panose="02040503050406030204" pitchFamily="18" charset="0"/>
+                                </a:rPr>
+                                <m:t>𝑎</m:t>
+                              </m:r>
+                            </m:e>
+                          </m:rad>
+                        </m:den>
+                      </m:f>
+                      <m:nary>
+                        <m:naryPr>
+                          <m:limLoc m:val="undOvr"/>
+                          <m:ctrlPr>
+                            <a:rPr lang="en-US" b="0" i="1" smtClean="0">
+                              <a:latin typeface="Cambria Math" panose="02040503050406030204" pitchFamily="18" charset="0"/>
+                            </a:rPr>
+                          </m:ctrlPr>
+                        </m:naryPr>
+                        <m:sub>
+                          <m:r>
+                            <m:rPr>
+                              <m:brk m:alnAt="24"/>
+                            </m:rPr>
+                            <a:rPr lang="en-US" b="0" i="1" smtClean="0">
+                              <a:latin typeface="Cambria Math" panose="02040503050406030204" pitchFamily="18" charset="0"/>
+                            </a:rPr>
+                            <m:t>−</m:t>
+                          </m:r>
+                          <m:r>
+                            <a:rPr lang="en-US" b="0" i="1" smtClean="0">
+                              <a:latin typeface="Cambria Math" panose="02040503050406030204" pitchFamily="18" charset="0"/>
+                              <a:ea typeface="Cambria Math" panose="02040503050406030204" pitchFamily="18" charset="0"/>
+                            </a:rPr>
+                            <m:t>∞</m:t>
+                          </m:r>
+                        </m:sub>
+                        <m:sup>
+                          <m:r>
+                            <a:rPr lang="en-US" b="0" i="1" smtClean="0">
+                              <a:latin typeface="Cambria Math" panose="02040503050406030204" pitchFamily="18" charset="0"/>
+                              <a:ea typeface="Cambria Math" panose="02040503050406030204" pitchFamily="18" charset="0"/>
+                            </a:rPr>
+                            <m:t>∞</m:t>
+                          </m:r>
+                        </m:sup>
+                        <m:e>
+                          <m:acc>
+                            <m:accPr>
+                              <m:chr m:val="̅"/>
+                              <m:ctrlPr>
+                                <a:rPr lang="en-US" b="0" i="1" smtClean="0">
+                                  <a:latin typeface="Cambria Math" panose="02040503050406030204" pitchFamily="18" charset="0"/>
+                                  <a:ea typeface="Cambria Math" panose="02040503050406030204" pitchFamily="18" charset="0"/>
+                                </a:rPr>
+                              </m:ctrlPr>
+                            </m:accPr>
+                            <m:e>
+                              <m:r>
+                                <a:rPr lang="en-US" i="1">
+                                  <a:latin typeface="Cambria Math" panose="02040503050406030204" pitchFamily="18" charset="0"/>
+                                  <a:ea typeface="Cambria Math" panose="02040503050406030204" pitchFamily="18" charset="0"/>
+                                </a:rPr>
+                                <m:t>𝜓</m:t>
+                              </m:r>
+                              <m:d>
+                                <m:dPr>
+                                  <m:ctrlPr>
+                                    <a:rPr lang="en-US" i="1">
+                                      <a:latin typeface="Cambria Math" panose="02040503050406030204" pitchFamily="18" charset="0"/>
+                                      <a:ea typeface="Cambria Math" panose="02040503050406030204" pitchFamily="18" charset="0"/>
+                                    </a:rPr>
+                                  </m:ctrlPr>
+                                </m:dPr>
+                                <m:e>
+                                  <m:f>
+                                    <m:fPr>
+                                      <m:ctrlPr>
+                                        <a:rPr lang="en-US" i="1">
+                                          <a:latin typeface="Cambria Math" panose="02040503050406030204" pitchFamily="18" charset="0"/>
+                                          <a:ea typeface="Cambria Math" panose="02040503050406030204" pitchFamily="18" charset="0"/>
+                                        </a:rPr>
+                                      </m:ctrlPr>
+                                    </m:fPr>
+                                    <m:num>
+                                      <m:r>
+                                        <a:rPr lang="en-US" i="1">
+                                          <a:latin typeface="Cambria Math" panose="02040503050406030204" pitchFamily="18" charset="0"/>
+                                          <a:ea typeface="Cambria Math" panose="02040503050406030204" pitchFamily="18" charset="0"/>
+                                        </a:rPr>
+                                        <m:t>𝑥</m:t>
+                                      </m:r>
+                                      <m:r>
+                                        <a:rPr lang="en-US" i="1">
+                                          <a:latin typeface="Cambria Math" panose="02040503050406030204" pitchFamily="18" charset="0"/>
+                                          <a:ea typeface="Cambria Math" panose="02040503050406030204" pitchFamily="18" charset="0"/>
+                                        </a:rPr>
+                                        <m:t>−</m:t>
+                                      </m:r>
+                                      <m:r>
+                                        <a:rPr lang="en-US" i="1">
+                                          <a:latin typeface="Cambria Math" panose="02040503050406030204" pitchFamily="18" charset="0"/>
+                                          <a:ea typeface="Cambria Math" panose="02040503050406030204" pitchFamily="18" charset="0"/>
+                                        </a:rPr>
+                                        <m:t>𝑏</m:t>
+                                      </m:r>
+                                    </m:num>
+                                    <m:den>
+                                      <m:r>
+                                        <a:rPr lang="en-US" i="1">
+                                          <a:latin typeface="Cambria Math" panose="02040503050406030204" pitchFamily="18" charset="0"/>
+                                          <a:ea typeface="Cambria Math" panose="02040503050406030204" pitchFamily="18" charset="0"/>
+                                        </a:rPr>
+                                        <m:t>𝑎</m:t>
+                                      </m:r>
+                                    </m:den>
+                                  </m:f>
+                                </m:e>
+                              </m:d>
+                            </m:e>
+                          </m:acc>
+                        </m:e>
+                      </m:nary>
+                      <m:r>
+                        <a:rPr lang="en-US" b="0" i="1" smtClean="0">
+                          <a:latin typeface="Cambria Math" panose="02040503050406030204" pitchFamily="18" charset="0"/>
+                        </a:rPr>
+                        <m:t> </m:t>
+                      </m:r>
+                      <m:r>
+                        <a:rPr lang="en-US" b="0" i="1" smtClean="0">
+                          <a:latin typeface="Cambria Math" panose="02040503050406030204" pitchFamily="18" charset="0"/>
+                        </a:rPr>
+                        <m:t>𝑓</m:t>
+                      </m:r>
+                      <m:d>
+                        <m:dPr>
+                          <m:ctrlPr>
+                            <a:rPr lang="en-US" b="0" i="1" smtClean="0">
+                              <a:latin typeface="Cambria Math" panose="02040503050406030204" pitchFamily="18" charset="0"/>
+                            </a:rPr>
+                          </m:ctrlPr>
+                        </m:dPr>
+                        <m:e>
+                          <m:r>
+                            <a:rPr lang="en-US" b="0" i="1" smtClean="0">
+                              <a:latin typeface="Cambria Math" panose="02040503050406030204" pitchFamily="18" charset="0"/>
+                            </a:rPr>
+                            <m:t>𝑥</m:t>
+                          </m:r>
+                        </m:e>
+                      </m:d>
+                      <m:r>
+                        <a:rPr lang="en-US" b="0" i="1" smtClean="0">
+                          <a:latin typeface="Cambria Math" panose="02040503050406030204" pitchFamily="18" charset="0"/>
+                        </a:rPr>
+                        <m:t> </m:t>
+                      </m:r>
+                      <m:r>
+                        <a:rPr lang="en-US" b="0" i="1" smtClean="0">
+                          <a:latin typeface="Cambria Math" panose="02040503050406030204" pitchFamily="18" charset="0"/>
+                        </a:rPr>
+                        <m:t>𝑑𝑥</m:t>
+                      </m:r>
+                    </m:oMath>
+                  </m:oMathPara>
+                </a14:m>
+                <a:endParaRPr lang="en-US" dirty="0"/>
+              </a:p>
+              <a:p>
+                <a:pPr marL="0" indent="0">
+                  <a:buNone/>
+                </a:pPr>
+                <a:r>
+                  <a:rPr lang="en-US" dirty="0"/>
+                  <a:t>The coefficients a and b refers to</a:t>
+                </a:r>
+              </a:p>
+              <a:p>
+                <a:pPr marL="0" indent="0">
+                  <a:buNone/>
+                </a:pPr>
+                <a:r>
+                  <a:rPr lang="en-US" dirty="0"/>
+                  <a:t>	a = dyadic/binary dilation</a:t>
+                </a:r>
+              </a:p>
+              <a:p>
+                <a:pPr marL="0" indent="0">
+                  <a:buNone/>
+                </a:pPr>
+                <a:r>
+                  <a:rPr lang="en-US" dirty="0"/>
+                  <a:t>	b = binary/dyadic position</a:t>
+                </a:r>
+              </a:p>
+              <a:p>
+                <a:pPr marL="0" indent="0">
+                  <a:buNone/>
+                </a:pPr>
+                <a:r>
+                  <a:rPr lang="en-US" dirty="0"/>
+                  <a:t>		where, a – corresponds to dilation and</a:t>
+                </a:r>
+              </a:p>
+              <a:p>
+                <a:pPr marL="0" indent="0">
+                  <a:buNone/>
+                </a:pPr>
+                <a:r>
+                  <a:rPr lang="en-US" dirty="0"/>
+                  <a:t>			  b – corresponds to translation	</a:t>
+                </a:r>
+              </a:p>
+              <a:p>
+                <a:pPr marL="0" indent="0">
+                  <a:buNone/>
+                </a:pPr>
+                <a:endParaRPr lang="en-IN" dirty="0"/>
+              </a:p>
+            </p:txBody>
+          </p:sp>
+        </mc:Choice>
+        <mc:Fallback>
+          <p:sp>
+            <p:nvSpPr>
+              <p:cNvPr id="3" name="Content Placeholder 2">
+                <a:extLst>
+                  <a:ext uri="{FF2B5EF4-FFF2-40B4-BE49-F238E27FC236}">
+                    <a16:creationId xmlns:a16="http://schemas.microsoft.com/office/drawing/2014/main" id="{4D7AEBB3-55EA-C6E3-884E-48959C42C5A4}"/>
+                  </a:ext>
+                </a:extLst>
+              </p:cNvPr>
+              <p:cNvSpPr>
+                <a:spLocks noGrp="1" noRot="1" noChangeAspect="1" noMove="1" noResize="1" noEditPoints="1" noAdjustHandles="1" noChangeArrowheads="1" noChangeShapeType="1" noTextEdit="1"/>
+              </p:cNvSpPr>
+              <p:nvPr>
+                <p:ph idx="1"/>
+              </p:nvPr>
+            </p:nvSpPr>
+            <p:spPr>
+              <a:xfrm>
+                <a:off x="838200" y="1184988"/>
+                <a:ext cx="10515600" cy="4991975"/>
+              </a:xfrm>
+              <a:blipFill>
+                <a:blip r:embed="rId2"/>
+                <a:stretch>
+                  <a:fillRect l="-1217" t="-2686" r="-870"/>
+                </a:stretch>
+              </a:blipFill>
+            </p:spPr>
+            <p:txBody>
+              <a:bodyPr/>
+              <a:lstStyle/>
+              <a:p>
+                <a:r>
+                  <a:rPr lang="en-IN">
+                    <a:noFill/>
+                  </a:rPr>
+                  <a:t> </a:t>
+                </a:r>
+              </a:p>
+            </p:txBody>
+          </p:sp>
+        </mc:Fallback>
+      </mc:AlternateContent>
+      <p:sp>
+        <p:nvSpPr>
+          <p:cNvPr id="4" name="TextBox 3">
+            <a:extLst>
+              <a:ext uri="{FF2B5EF4-FFF2-40B4-BE49-F238E27FC236}">
+                <a16:creationId xmlns:a16="http://schemas.microsoft.com/office/drawing/2014/main" id="{1D75320C-F14B-1150-8520-F1B3E7A90696}"/>
+              </a:ext>
+            </a:extLst>
+          </p:cNvPr>
+          <p:cNvSpPr txBox="1"/>
+          <p:nvPr/>
         </p:nvSpPr>
         <p:spPr>
           <a:xfrm>
-            <a:off x="838200" y="1184988"/>
-            <a:ext cx="10515600" cy="4991975"/>
-          </a:xfrm>
-        </p:spPr>
-        <p:txBody>
-          <a:bodyPr/>
-          <a:lstStyle/>
-          <a:p>
-            <a:pPr marL="0" indent="0">
-              <a:buNone/>
-            </a:pPr>
-            <a:r>
-              <a:rPr lang="en-US" dirty="0"/>
-              <a:t>It basically measure the amount of similarity between the mother</a:t>
-            </a:r>
-            <a:endParaRPr lang="en-IN" dirty="0"/>
-          </a:p>
-        </p:txBody>
-      </p:sp>
-      <p:sp>
-        <p:nvSpPr>
-          <p:cNvPr id="4" name="TextBox 3">
-            <a:extLst>
-              <a:ext uri="{FF2B5EF4-FFF2-40B4-BE49-F238E27FC236}">
-                <a16:creationId xmlns:a16="http://schemas.microsoft.com/office/drawing/2014/main" id="{1D75320C-F14B-1150-8520-F1B3E7A90696}"/>
-              </a:ext>
-            </a:extLst>
-          </p:cNvPr>
-          <p:cNvSpPr txBox="1"/>
-          <p:nvPr/>
-        </p:nvSpPr>
-        <p:spPr>
-          <a:xfrm>
-            <a:off x="10599174" y="365125"/>
+            <a:off x="10461522" y="496371"/>
             <a:ext cx="1333507" cy="369332"/>
           </a:xfrm>
           <a:prstGeom prst="rect">
@@ -4608,6 +5027,51 @@
               <a:t>Continued…</a:t>
             </a:r>
             <a:endParaRPr lang="en-IN" dirty="0"/>
+          </a:p>
+        </p:txBody>
+      </p:sp>
+      <p:sp>
+        <p:nvSpPr>
+          <p:cNvPr id="6" name="AutoShape 3" descr="\left[W_\psi f\right](a, b) = \frac{1}{\sqrt{|a|}} \int_{-\infty}^\infty \overline{\psi\left(\frac{x-b}{a}\right)}f(x)dx\,">
+            <a:extLst>
+              <a:ext uri="{FF2B5EF4-FFF2-40B4-BE49-F238E27FC236}">
+                <a16:creationId xmlns:a16="http://schemas.microsoft.com/office/drawing/2014/main" id="{73FA8B8E-5E1A-51E2-CCF3-EE3AF5385EB3}"/>
+              </a:ext>
+            </a:extLst>
+          </p:cNvPr>
+          <p:cNvSpPr>
+            <a:spLocks noChangeAspect="1" noChangeArrowheads="1"/>
+          </p:cNvSpPr>
+          <p:nvPr/>
+        </p:nvSpPr>
+        <p:spPr bwMode="auto">
+          <a:xfrm>
+            <a:off x="196850" y="-198438"/>
+            <a:ext cx="304800" cy="304801"/>
+          </a:xfrm>
+          <a:prstGeom prst="rect">
+            <a:avLst/>
+          </a:prstGeom>
+          <a:noFill/>
+          <a:extLst>
+            <a:ext uri="{909E8E84-426E-40DD-AFC4-6F175D3DCCD1}">
+              <a14:hiddenFill xmlns:a14="http://schemas.microsoft.com/office/drawing/2010/main">
+                <a:solidFill>
+                  <a:srgbClr val="FFFFFF"/>
+                </a:solidFill>
+              </a14:hiddenFill>
+            </a:ext>
+          </a:extLst>
+        </p:spPr>
+        <p:txBody>
+          <a:bodyPr vert="horz" wrap="square" lIns="91440" tIns="45720" rIns="91440" bIns="45720" numCol="1" anchor="t" anchorCtr="0" compatLnSpc="1">
+            <a:prstTxWarp prst="textNoShape">
+              <a:avLst/>
+            </a:prstTxWarp>
+          </a:bodyPr>
+          <a:lstStyle/>
+          <a:p>
+            <a:endParaRPr lang="en-IN"/>
           </a:p>
         </p:txBody>
       </p:sp>

--- a/WaveletAnalysis.pptx
+++ b/WaveletAnalysis.pptx
@@ -5,14 +5,18 @@
     <p:sldMasterId id="2147483648" r:id="rId1"/>
   </p:sldMasterIdLst>
   <p:notesMasterIdLst>
-    <p:notesMasterId r:id="rId7"/>
+    <p:notesMasterId r:id="rId11"/>
   </p:notesMasterIdLst>
   <p:sldIdLst>
     <p:sldId id="256" r:id="rId2"/>
     <p:sldId id="257" r:id="rId3"/>
     <p:sldId id="258" r:id="rId4"/>
-    <p:sldId id="260" r:id="rId5"/>
+    <p:sldId id="265" r:id="rId5"/>
     <p:sldId id="259" r:id="rId6"/>
+    <p:sldId id="261" r:id="rId7"/>
+    <p:sldId id="262" r:id="rId8"/>
+    <p:sldId id="263" r:id="rId9"/>
+    <p:sldId id="264" r:id="rId10"/>
   </p:sldIdLst>
   <p:sldSz cx="12192000" cy="6858000"/>
   <p:notesSz cx="6858000" cy="9144000"/>
@@ -201,7 +205,7 @@
           <a:p>
             <a:fld id="{8377081C-93B8-42AF-AA0E-339D28A3CF6B}" type="datetimeFigureOut">
               <a:rPr lang="en-IN" smtClean="0"/>
-              <a:t>22-12-2023</a:t>
+              <a:t>31-12-2023</a:t>
             </a:fld>
             <a:endParaRPr lang="en-IN"/>
           </a:p>
@@ -602,7 +606,13 @@
           <a:p>
             <a:r>
               <a:rPr lang="en-US" dirty="0"/>
-              <a:t>Image Reference: https://www.youtube.com/watch?v=jnxqHcObNK4 10:28</a:t>
+              <a:t>Image Reference: https://www.youtube.com/watch?v=jnxqHcObNK4</a:t>
+            </a:r>
+          </a:p>
+          <a:p>
+            <a:r>
+              <a:rPr lang="en-US" dirty="0"/>
+              <a:t>Time stamp: 10:28</a:t>
             </a:r>
             <a:endParaRPr lang="en-IN" dirty="0"/>
           </a:p>
@@ -635,6 +645,270 @@
     <p:extLst>
       <p:ext uri="{BB962C8B-B14F-4D97-AF65-F5344CB8AC3E}">
         <p14:creationId xmlns:p14="http://schemas.microsoft.com/office/powerpoint/2010/main" val="4004255198"/>
+      </p:ext>
+    </p:extLst>
+  </p:cSld>
+  <p:clrMapOvr>
+    <a:masterClrMapping/>
+  </p:clrMapOvr>
+</p:notes>
+</file>
+
+<file path=ppt/notesSlides/notesSlide3.xml><?xml version="1.0" encoding="utf-8"?>
+<p:notes xmlns:a="http://schemas.openxmlformats.org/drawingml/2006/main" xmlns:r="http://schemas.openxmlformats.org/officeDocument/2006/relationships" xmlns:p="http://schemas.openxmlformats.org/presentationml/2006/main">
+  <p:cSld>
+    <p:spTree>
+      <p:nvGrpSpPr>
+        <p:cNvPr id="1" name=""/>
+        <p:cNvGrpSpPr/>
+        <p:nvPr/>
+      </p:nvGrpSpPr>
+      <p:grpSpPr>
+        <a:xfrm>
+          <a:off x="0" y="0"/>
+          <a:ext cx="0" cy="0"/>
+          <a:chOff x="0" y="0"/>
+          <a:chExt cx="0" cy="0"/>
+        </a:xfrm>
+      </p:grpSpPr>
+      <p:sp>
+        <p:nvSpPr>
+          <p:cNvPr id="2" name="Slide Image Placeholder 1"/>
+          <p:cNvSpPr>
+            <a:spLocks noGrp="1" noRot="1" noChangeAspect="1"/>
+          </p:cNvSpPr>
+          <p:nvPr>
+            <p:ph type="sldImg"/>
+          </p:nvPr>
+        </p:nvSpPr>
+        <p:spPr/>
+      </p:sp>
+      <p:sp>
+        <p:nvSpPr>
+          <p:cNvPr id="3" name="Notes Placeholder 2"/>
+          <p:cNvSpPr>
+            <a:spLocks noGrp="1"/>
+          </p:cNvSpPr>
+          <p:nvPr>
+            <p:ph type="body" idx="1"/>
+          </p:nvPr>
+        </p:nvSpPr>
+        <p:spPr/>
+        <p:txBody>
+          <a:bodyPr/>
+          <a:lstStyle/>
+          <a:p>
+            <a:r>
+              <a:rPr lang="en-US" dirty="0"/>
+              <a:t>Image Reference: https://en.wikipedia.org/wiki/File:Jpeg2000_2-level_wavelet_transform-lichtenstein.png</a:t>
+            </a:r>
+            <a:endParaRPr lang="en-IN" dirty="0"/>
+          </a:p>
+        </p:txBody>
+      </p:sp>
+      <p:sp>
+        <p:nvSpPr>
+          <p:cNvPr id="4" name="Slide Number Placeholder 3"/>
+          <p:cNvSpPr>
+            <a:spLocks noGrp="1"/>
+          </p:cNvSpPr>
+          <p:nvPr>
+            <p:ph type="sldNum" sz="quarter" idx="5"/>
+          </p:nvPr>
+        </p:nvSpPr>
+        <p:spPr/>
+        <p:txBody>
+          <a:bodyPr/>
+          <a:lstStyle/>
+          <a:p>
+            <a:fld id="{9BD7F528-A225-4059-B49F-A7695987790F}" type="slidenum">
+              <a:rPr lang="en-IN" smtClean="0"/>
+              <a:t>6</a:t>
+            </a:fld>
+            <a:endParaRPr lang="en-IN"/>
+          </a:p>
+        </p:txBody>
+      </p:sp>
+    </p:spTree>
+    <p:extLst>
+      <p:ext uri="{BB962C8B-B14F-4D97-AF65-F5344CB8AC3E}">
+        <p14:creationId xmlns:p14="http://schemas.microsoft.com/office/powerpoint/2010/main" val="406564649"/>
+      </p:ext>
+    </p:extLst>
+  </p:cSld>
+  <p:clrMapOvr>
+    <a:masterClrMapping/>
+  </p:clrMapOvr>
+</p:notes>
+</file>
+
+<file path=ppt/notesSlides/notesSlide4.xml><?xml version="1.0" encoding="utf-8"?>
+<p:notes xmlns:a="http://schemas.openxmlformats.org/drawingml/2006/main" xmlns:r="http://schemas.openxmlformats.org/officeDocument/2006/relationships" xmlns:p="http://schemas.openxmlformats.org/presentationml/2006/main">
+  <p:cSld>
+    <p:spTree>
+      <p:nvGrpSpPr>
+        <p:cNvPr id="1" name=""/>
+        <p:cNvGrpSpPr/>
+        <p:nvPr/>
+      </p:nvGrpSpPr>
+      <p:grpSpPr>
+        <a:xfrm>
+          <a:off x="0" y="0"/>
+          <a:ext cx="0" cy="0"/>
+          <a:chOff x="0" y="0"/>
+          <a:chExt cx="0" cy="0"/>
+        </a:xfrm>
+      </p:grpSpPr>
+      <p:sp>
+        <p:nvSpPr>
+          <p:cNvPr id="2" name="Slide Image Placeholder 1"/>
+          <p:cNvSpPr>
+            <a:spLocks noGrp="1" noRot="1" noChangeAspect="1"/>
+          </p:cNvSpPr>
+          <p:nvPr>
+            <p:ph type="sldImg"/>
+          </p:nvPr>
+        </p:nvSpPr>
+        <p:spPr/>
+      </p:sp>
+      <p:sp>
+        <p:nvSpPr>
+          <p:cNvPr id="3" name="Notes Placeholder 2"/>
+          <p:cNvSpPr>
+            <a:spLocks noGrp="1"/>
+          </p:cNvSpPr>
+          <p:nvPr>
+            <p:ph type="body" idx="1"/>
+          </p:nvPr>
+        </p:nvSpPr>
+        <p:spPr/>
+        <p:txBody>
+          <a:bodyPr/>
+          <a:lstStyle/>
+          <a:p>
+            <a:r>
+              <a:rPr lang="en-US" dirty="0"/>
+              <a:t>Image Reference: https://upload.wikimedia.org/wikipedia/commons/thumb/9/95/Continuous_wavelet_transform.gif/450px-Continuous_wavelet_transform.gif</a:t>
+            </a:r>
+            <a:endParaRPr lang="en-IN" dirty="0"/>
+          </a:p>
+        </p:txBody>
+      </p:sp>
+      <p:sp>
+        <p:nvSpPr>
+          <p:cNvPr id="4" name="Slide Number Placeholder 3"/>
+          <p:cNvSpPr>
+            <a:spLocks noGrp="1"/>
+          </p:cNvSpPr>
+          <p:nvPr>
+            <p:ph type="sldNum" sz="quarter" idx="5"/>
+          </p:nvPr>
+        </p:nvSpPr>
+        <p:spPr/>
+        <p:txBody>
+          <a:bodyPr/>
+          <a:lstStyle/>
+          <a:p>
+            <a:fld id="{9BD7F528-A225-4059-B49F-A7695987790F}" type="slidenum">
+              <a:rPr lang="en-IN" smtClean="0"/>
+              <a:t>8</a:t>
+            </a:fld>
+            <a:endParaRPr lang="en-IN"/>
+          </a:p>
+        </p:txBody>
+      </p:sp>
+    </p:spTree>
+    <p:extLst>
+      <p:ext uri="{BB962C8B-B14F-4D97-AF65-F5344CB8AC3E}">
+        <p14:creationId xmlns:p14="http://schemas.microsoft.com/office/powerpoint/2010/main" val="56560375"/>
+      </p:ext>
+    </p:extLst>
+  </p:cSld>
+  <p:clrMapOvr>
+    <a:masterClrMapping/>
+  </p:clrMapOvr>
+</p:notes>
+</file>
+
+<file path=ppt/notesSlides/notesSlide5.xml><?xml version="1.0" encoding="utf-8"?>
+<p:notes xmlns:a="http://schemas.openxmlformats.org/drawingml/2006/main" xmlns:r="http://schemas.openxmlformats.org/officeDocument/2006/relationships" xmlns:p="http://schemas.openxmlformats.org/presentationml/2006/main">
+  <p:cSld>
+    <p:spTree>
+      <p:nvGrpSpPr>
+        <p:cNvPr id="1" name=""/>
+        <p:cNvGrpSpPr/>
+        <p:nvPr/>
+      </p:nvGrpSpPr>
+      <p:grpSpPr>
+        <a:xfrm>
+          <a:off x="0" y="0"/>
+          <a:ext cx="0" cy="0"/>
+          <a:chOff x="0" y="0"/>
+          <a:chExt cx="0" cy="0"/>
+        </a:xfrm>
+      </p:grpSpPr>
+      <p:sp>
+        <p:nvSpPr>
+          <p:cNvPr id="2" name="Slide Image Placeholder 1"/>
+          <p:cNvSpPr>
+            <a:spLocks noGrp="1" noRot="1" noChangeAspect="1"/>
+          </p:cNvSpPr>
+          <p:nvPr>
+            <p:ph type="sldImg"/>
+          </p:nvPr>
+        </p:nvSpPr>
+        <p:spPr/>
+      </p:sp>
+      <p:sp>
+        <p:nvSpPr>
+          <p:cNvPr id="3" name="Notes Placeholder 2"/>
+          <p:cNvSpPr>
+            <a:spLocks noGrp="1"/>
+          </p:cNvSpPr>
+          <p:nvPr>
+            <p:ph type="body" idx="1"/>
+          </p:nvPr>
+        </p:nvSpPr>
+        <p:spPr/>
+        <p:txBody>
+          <a:bodyPr/>
+          <a:lstStyle/>
+          <a:p>
+            <a:r>
+              <a:rPr lang="en-US" dirty="0"/>
+              <a:t>Image Reference: https://in.mathworks.com/discovery/wavelet-transforms.html</a:t>
+            </a:r>
+            <a:endParaRPr lang="en-IN" dirty="0"/>
+          </a:p>
+        </p:txBody>
+      </p:sp>
+      <p:sp>
+        <p:nvSpPr>
+          <p:cNvPr id="4" name="Slide Number Placeholder 3"/>
+          <p:cNvSpPr>
+            <a:spLocks noGrp="1"/>
+          </p:cNvSpPr>
+          <p:nvPr>
+            <p:ph type="sldNum" sz="quarter" idx="5"/>
+          </p:nvPr>
+        </p:nvSpPr>
+        <p:spPr/>
+        <p:txBody>
+          <a:bodyPr/>
+          <a:lstStyle/>
+          <a:p>
+            <a:fld id="{9BD7F528-A225-4059-B49F-A7695987790F}" type="slidenum">
+              <a:rPr lang="en-IN" smtClean="0"/>
+              <a:t>9</a:t>
+            </a:fld>
+            <a:endParaRPr lang="en-IN"/>
+          </a:p>
+        </p:txBody>
+      </p:sp>
+    </p:spTree>
+    <p:extLst>
+      <p:ext uri="{BB962C8B-B14F-4D97-AF65-F5344CB8AC3E}">
+        <p14:creationId xmlns:p14="http://schemas.microsoft.com/office/powerpoint/2010/main" val="3627932671"/>
       </p:ext>
     </p:extLst>
   </p:cSld>
@@ -793,7 +1067,7 @@
           <a:p>
             <a:fld id="{01B0C272-48CE-4E36-8F11-BC11D38D5ABB}" type="datetimeFigureOut">
               <a:rPr lang="en-IN" smtClean="0"/>
-              <a:t>22-12-2023</a:t>
+              <a:t>31-12-2023</a:t>
             </a:fld>
             <a:endParaRPr lang="en-IN"/>
           </a:p>
@@ -993,7 +1267,7 @@
           <a:p>
             <a:fld id="{01B0C272-48CE-4E36-8F11-BC11D38D5ABB}" type="datetimeFigureOut">
               <a:rPr lang="en-IN" smtClean="0"/>
-              <a:t>22-12-2023</a:t>
+              <a:t>31-12-2023</a:t>
             </a:fld>
             <a:endParaRPr lang="en-IN"/>
           </a:p>
@@ -1203,7 +1477,7 @@
           <a:p>
             <a:fld id="{01B0C272-48CE-4E36-8F11-BC11D38D5ABB}" type="datetimeFigureOut">
               <a:rPr lang="en-IN" smtClean="0"/>
-              <a:t>22-12-2023</a:t>
+              <a:t>31-12-2023</a:t>
             </a:fld>
             <a:endParaRPr lang="en-IN"/>
           </a:p>
@@ -1403,7 +1677,7 @@
           <a:p>
             <a:fld id="{01B0C272-48CE-4E36-8F11-BC11D38D5ABB}" type="datetimeFigureOut">
               <a:rPr lang="en-IN" smtClean="0"/>
-              <a:t>22-12-2023</a:t>
+              <a:t>31-12-2023</a:t>
             </a:fld>
             <a:endParaRPr lang="en-IN"/>
           </a:p>
@@ -1679,7 +1953,7 @@
           <a:p>
             <a:fld id="{01B0C272-48CE-4E36-8F11-BC11D38D5ABB}" type="datetimeFigureOut">
               <a:rPr lang="en-IN" smtClean="0"/>
-              <a:t>22-12-2023</a:t>
+              <a:t>31-12-2023</a:t>
             </a:fld>
             <a:endParaRPr lang="en-IN"/>
           </a:p>
@@ -1947,7 +2221,7 @@
           <a:p>
             <a:fld id="{01B0C272-48CE-4E36-8F11-BC11D38D5ABB}" type="datetimeFigureOut">
               <a:rPr lang="en-IN" smtClean="0"/>
-              <a:t>22-12-2023</a:t>
+              <a:t>31-12-2023</a:t>
             </a:fld>
             <a:endParaRPr lang="en-IN"/>
           </a:p>
@@ -2362,7 +2636,7 @@
           <a:p>
             <a:fld id="{01B0C272-48CE-4E36-8F11-BC11D38D5ABB}" type="datetimeFigureOut">
               <a:rPr lang="en-IN" smtClean="0"/>
-              <a:t>22-12-2023</a:t>
+              <a:t>31-12-2023</a:t>
             </a:fld>
             <a:endParaRPr lang="en-IN"/>
           </a:p>
@@ -2504,7 +2778,7 @@
           <a:p>
             <a:fld id="{01B0C272-48CE-4E36-8F11-BC11D38D5ABB}" type="datetimeFigureOut">
               <a:rPr lang="en-IN" smtClean="0"/>
-              <a:t>22-12-2023</a:t>
+              <a:t>31-12-2023</a:t>
             </a:fld>
             <a:endParaRPr lang="en-IN"/>
           </a:p>
@@ -2617,7 +2891,7 @@
           <a:p>
             <a:fld id="{01B0C272-48CE-4E36-8F11-BC11D38D5ABB}" type="datetimeFigureOut">
               <a:rPr lang="en-IN" smtClean="0"/>
-              <a:t>22-12-2023</a:t>
+              <a:t>31-12-2023</a:t>
             </a:fld>
             <a:endParaRPr lang="en-IN"/>
           </a:p>
@@ -2930,7 +3204,7 @@
           <a:p>
             <a:fld id="{01B0C272-48CE-4E36-8F11-BC11D38D5ABB}" type="datetimeFigureOut">
               <a:rPr lang="en-IN" smtClean="0"/>
-              <a:t>22-12-2023</a:t>
+              <a:t>31-12-2023</a:t>
             </a:fld>
             <a:endParaRPr lang="en-IN"/>
           </a:p>
@@ -3219,7 +3493,7 @@
           <a:p>
             <a:fld id="{01B0C272-48CE-4E36-8F11-BC11D38D5ABB}" type="datetimeFigureOut">
               <a:rPr lang="en-IN" smtClean="0"/>
-              <a:t>22-12-2023</a:t>
+              <a:t>31-12-2023</a:t>
             </a:fld>
             <a:endParaRPr lang="en-IN"/>
           </a:p>
@@ -3462,7 +3736,7 @@
           <a:p>
             <a:fld id="{01B0C272-48CE-4E36-8F11-BC11D38D5ABB}" type="datetimeFigureOut">
               <a:rPr lang="en-IN" smtClean="0"/>
-              <a:t>22-12-2023</a:t>
+              <a:t>31-12-2023</a:t>
             </a:fld>
             <a:endParaRPr lang="en-IN"/>
           </a:p>
@@ -4110,7 +4384,6 @@
                   <a:srgbClr val="242424"/>
                 </a:solidFill>
                 <a:effectLst/>
-                <a:latin typeface="source-serif-pro"/>
               </a:rPr>
               <a:t>A </a:t>
             </a:r>
@@ -4120,7 +4393,6 @@
                   <a:srgbClr val="242424"/>
                 </a:solidFill>
                 <a:effectLst/>
-                <a:latin typeface="source-serif-pro"/>
               </a:rPr>
               <a:t>Wavelet</a:t>
             </a:r>
@@ -4130,7 +4402,6 @@
                   <a:srgbClr val="242424"/>
                 </a:solidFill>
                 <a:effectLst/>
-                <a:latin typeface="source-serif-pro"/>
               </a:rPr>
               <a:t> is a </a:t>
             </a:r>
@@ -4140,7 +4411,6 @@
                   <a:srgbClr val="242424"/>
                 </a:solidFill>
                 <a:effectLst/>
-                <a:latin typeface="source-serif-pro"/>
               </a:rPr>
               <a:t>wave-like oscillation that is localized in time</a:t>
             </a:r>
@@ -4150,7 +4420,6 @@
                   <a:srgbClr val="242424"/>
                 </a:solidFill>
                 <a:effectLst/>
-                <a:latin typeface="source-serif-pro"/>
               </a:rPr>
               <a:t>, an example is given below.</a:t>
             </a:r>
@@ -4165,7 +4434,6 @@
                   <a:srgbClr val="242424"/>
                 </a:solidFill>
                 <a:effectLst/>
-                <a:latin typeface="source-serif-pro"/>
               </a:rPr>
               <a:t>Wavelets have two basic properties: scale and location.</a:t>
             </a:r>
@@ -4180,7 +4448,6 @@
                   <a:srgbClr val="242424"/>
                 </a:solidFill>
                 <a:effectLst/>
-                <a:latin typeface="source-serif-pro"/>
               </a:rPr>
               <a:t>Scale</a:t>
             </a:r>
@@ -4190,7 +4457,6 @@
                   <a:srgbClr val="242424"/>
                 </a:solidFill>
                 <a:effectLst/>
-                <a:latin typeface="source-serif-pro"/>
               </a:rPr>
               <a:t> (or dilation) defines how “stretched” or “squished” a wavelet is.</a:t>
             </a:r>
@@ -4205,7 +4471,6 @@
                   <a:srgbClr val="242424"/>
                 </a:solidFill>
                 <a:effectLst/>
-                <a:latin typeface="source-serif-pro"/>
               </a:rPr>
               <a:t>This property is related to frequency as defined for waves.</a:t>
             </a:r>
@@ -4220,7 +4485,6 @@
                   <a:srgbClr val="242424"/>
                 </a:solidFill>
                 <a:effectLst/>
-                <a:latin typeface="source-serif-pro"/>
               </a:rPr>
               <a:t>Location</a:t>
             </a:r>
@@ -4230,7 +4494,6 @@
                   <a:srgbClr val="242424"/>
                 </a:solidFill>
                 <a:effectLst/>
-                <a:latin typeface="source-serif-pro"/>
               </a:rPr>
               <a:t> defines where the wavelet is positioned in time (or space).</a:t>
             </a:r>
@@ -4332,7 +4595,7 @@
         </p:nvSpPr>
         <p:spPr>
           <a:xfrm>
-            <a:off x="838200" y="365125"/>
+            <a:off x="838200" y="553968"/>
             <a:ext cx="10515600" cy="707895"/>
           </a:xfrm>
         </p:spPr>
@@ -4368,133 +4631,112 @@
         </p:nvSpPr>
         <p:spPr>
           <a:xfrm>
-            <a:off x="838200" y="1184988"/>
-            <a:ext cx="10515600" cy="4991975"/>
+            <a:off x="841513" y="1483162"/>
+            <a:ext cx="9915939" cy="4311351"/>
           </a:xfrm>
         </p:spPr>
         <p:txBody>
-          <a:bodyPr/>
+          <a:bodyPr>
+            <a:normAutofit/>
+          </a:bodyPr>
           <a:lstStyle/>
           <a:p>
             <a:pPr marL="0" indent="0">
               <a:buNone/>
             </a:pPr>
             <a:r>
-              <a:rPr lang="en-US" dirty="0">
+              <a:rPr lang="en-US" sz="2400" b="0" i="1" dirty="0">
+                <a:solidFill>
+                  <a:srgbClr val="1F1F1F"/>
+                </a:solidFill>
+                <a:effectLst/>
+              </a:rPr>
+              <a:t>Wavelet analysis</a:t>
+            </a:r>
+            <a:r>
+              <a:rPr lang="en-US" sz="2400" b="0" i="0" dirty="0">
+                <a:solidFill>
+                  <a:srgbClr val="1F1F1F"/>
+                </a:solidFill>
+                <a:effectLst/>
+              </a:rPr>
+              <a:t> is an alternative to windowed Fourier transforms that also yields a two-dimensional plot showing strengths of variations as a function of both period (or frequency) and time.</a:t>
+            </a:r>
+          </a:p>
+          <a:p>
+            <a:pPr marL="0" indent="0">
+              <a:buNone/>
+            </a:pPr>
+            <a:r>
+              <a:rPr lang="en-US" sz="2400" b="0" i="0" dirty="0">
+                <a:solidFill>
+                  <a:srgbClr val="1F1F1F"/>
+                </a:solidFill>
+                <a:effectLst/>
+              </a:rPr>
+              <a:t>Unlike Fourier analysis, which characterizes similarities between time series and trigonometric functions of infinite extent, wavelet analysis addresses similarities, over limited portions of the time series, to waves of limited time extent called wavelets.</a:t>
+            </a:r>
+            <a:endParaRPr lang="en-US" sz="2400" dirty="0"/>
+          </a:p>
+          <a:p>
+            <a:pPr marL="0" indent="0">
+              <a:buNone/>
+            </a:pPr>
+            <a:r>
+              <a:rPr lang="en-US" sz="2400" dirty="0"/>
+              <a:t>It is basically measure the amount of similarity between a wavelet with another continuous/discrete wave. (Inner Product)</a:t>
+            </a:r>
+          </a:p>
+          <a:p>
+            <a:pPr marL="0" indent="0">
+              <a:buNone/>
+            </a:pPr>
+            <a:r>
+              <a:rPr lang="en-US" sz="2400" dirty="0">
                 <a:solidFill>
                   <a:srgbClr val="242424"/>
                 </a:solidFill>
-                <a:latin typeface="source-serif-pro"/>
               </a:rPr>
               <a:t>It gives relation between </a:t>
             </a:r>
             <a:r>
-              <a:rPr lang="en-US" b="1" dirty="0">
+              <a:rPr lang="en-US" sz="2400" b="1" dirty="0">
                 <a:solidFill>
                   <a:srgbClr val="242424"/>
                 </a:solidFill>
-                <a:latin typeface="source-serif-pro"/>
               </a:rPr>
               <a:t>Frequency</a:t>
             </a:r>
             <a:r>
-              <a:rPr lang="en-US" dirty="0">
+              <a:rPr lang="en-US" sz="2400" dirty="0">
                 <a:solidFill>
                   <a:srgbClr val="242424"/>
                 </a:solidFill>
-                <a:latin typeface="source-serif-pro"/>
               </a:rPr>
               <a:t> and </a:t>
             </a:r>
             <a:r>
-              <a:rPr lang="en-US" b="1" dirty="0">
+              <a:rPr lang="en-US" sz="2400" b="1" dirty="0">
                 <a:solidFill>
                   <a:srgbClr val="242424"/>
                 </a:solidFill>
-                <a:latin typeface="source-serif-pro"/>
               </a:rPr>
               <a:t>Time</a:t>
             </a:r>
             <a:r>
-              <a:rPr lang="en-US" dirty="0">
+              <a:rPr lang="en-US" sz="2400" dirty="0">
                 <a:solidFill>
                   <a:srgbClr val="242424"/>
                 </a:solidFill>
-                <a:latin typeface="source-serif-pro"/>
               </a:rPr>
-              <a:t> Domain.</a:t>
+              <a:t> Domain with resistance to noise.</a:t>
             </a:r>
           </a:p>
           <a:p>
             <a:pPr marL="0" indent="0">
               <a:buNone/>
             </a:pPr>
-            <a:r>
-              <a:rPr lang="en-US" dirty="0">
-                <a:solidFill>
-                  <a:srgbClr val="242424"/>
-                </a:solidFill>
-                <a:latin typeface="source-serif-pro"/>
-              </a:rPr>
-              <a:t>According to Heisenberg uncertainty, frequency and amplitude cannot be measured at the same time.</a:t>
-            </a:r>
-          </a:p>
-          <a:p>
-            <a:pPr marL="0" indent="0">
-              <a:buNone/>
-            </a:pPr>
-            <a:r>
-              <a:rPr lang="en-US" dirty="0">
-                <a:solidFill>
-                  <a:srgbClr val="242424"/>
-                </a:solidFill>
-                <a:latin typeface="source-serif-pro"/>
-              </a:rPr>
-              <a:t>This implies to Wavelet Analysis as well.</a:t>
-            </a:r>
-          </a:p>
-          <a:p>
-            <a:pPr marL="0" indent="0">
-              <a:buNone/>
-            </a:pPr>
-            <a:r>
-              <a:rPr lang="en-US" dirty="0">
-                <a:solidFill>
-                  <a:srgbClr val="242424"/>
-                </a:solidFill>
-                <a:latin typeface="source-serif-pro"/>
-              </a:rPr>
-              <a:t>At lower frequency, error in time is wide and in frequency is narrow.</a:t>
-            </a:r>
-          </a:p>
-          <a:p>
-            <a:pPr marL="0" indent="0">
-              <a:buNone/>
-            </a:pPr>
-            <a:r>
-              <a:rPr lang="en-US" dirty="0">
-                <a:solidFill>
-                  <a:srgbClr val="242424"/>
-                </a:solidFill>
-                <a:latin typeface="source-serif-pro"/>
-              </a:rPr>
-              <a:t>At higher time, error in frequency is wide and in time is narrow.</a:t>
-            </a:r>
-          </a:p>
-          <a:p>
-            <a:pPr marL="0" indent="0">
-              <a:buNone/>
-            </a:pPr>
-            <a:r>
-              <a:rPr lang="en-US" dirty="0">
-                <a:solidFill>
-                  <a:srgbClr val="242424"/>
-                </a:solidFill>
-                <a:latin typeface="source-serif-pro"/>
-              </a:rPr>
-              <a:t>This practically makes sense, because we need the exact time measure of higher frequency (especially for sounds) and lower frequency waves doesn’t matter at all and they can be present throughout audio wave (like noise).</a:t>
-            </a:r>
-            <a:endParaRPr lang="en-IN" dirty="0"/>
+            <a:endParaRPr lang="en-IN" sz="2400" dirty="0"/>
           </a:p>
         </p:txBody>
       </p:sp>
@@ -4514,12 +4756,6 @@
 <file path=ppt/slides/slide4.xml><?xml version="1.0" encoding="utf-8"?>
 <p:sld xmlns:a="http://schemas.openxmlformats.org/drawingml/2006/main" xmlns:r="http://schemas.openxmlformats.org/officeDocument/2006/relationships" xmlns:p="http://schemas.openxmlformats.org/presentationml/2006/main">
   <p:cSld>
-    <p:bg>
-      <p:bgPr>
-        <a:noFill/>
-        <a:effectLst/>
-      </p:bgPr>
-    </p:bg>
     <p:spTree>
       <p:nvGrpSpPr>
         <p:cNvPr id="1" name=""/>
@@ -4552,7 +4788,7 @@
         </p:nvSpPr>
         <p:spPr>
           <a:xfrm>
-            <a:off x="838200" y="365125"/>
+            <a:off x="838200" y="613603"/>
             <a:ext cx="10515600" cy="707895"/>
           </a:xfrm>
         </p:spPr>
@@ -4570,515 +4806,106 @@
           </a:p>
         </p:txBody>
       </p:sp>
-      <mc:AlternateContent xmlns:mc="http://schemas.openxmlformats.org/markup-compatibility/2006">
-        <mc:Choice xmlns:a14="http://schemas.microsoft.com/office/drawing/2010/main" Requires="a14">
-          <p:sp>
-            <p:nvSpPr>
-              <p:cNvPr id="3" name="Content Placeholder 2">
-                <a:extLst>
-                  <a:ext uri="{FF2B5EF4-FFF2-40B4-BE49-F238E27FC236}">
-                    <a16:creationId xmlns:a16="http://schemas.microsoft.com/office/drawing/2014/main" id="{4D7AEBB3-55EA-C6E3-884E-48959C42C5A4}"/>
-                  </a:ext>
-                </a:extLst>
-              </p:cNvPr>
-              <p:cNvSpPr>
-                <a:spLocks noGrp="1"/>
-              </p:cNvSpPr>
-              <p:nvPr>
-                <p:ph idx="1"/>
-              </p:nvPr>
-            </p:nvSpPr>
-            <p:spPr>
-              <a:xfrm>
-                <a:off x="838200" y="1184988"/>
-                <a:ext cx="10515600" cy="4991975"/>
-              </a:xfrm>
-            </p:spPr>
-            <p:txBody>
-              <a:bodyPr>
-                <a:normAutofit lnSpcReduction="10000"/>
-              </a:bodyPr>
-              <a:lstStyle/>
-              <a:p>
-                <a:pPr marL="0" indent="0">
-                  <a:buNone/>
-                </a:pPr>
-                <a:r>
-                  <a:rPr lang="en-US" dirty="0"/>
-                  <a:t>It is basically measure the amount of similarity between a wavelet with another continuous/discrete wave. (Inner Product)</a:t>
-                </a:r>
-              </a:p>
-              <a:p>
-                <a:r>
-                  <a:rPr lang="en-US" dirty="0"/>
-                  <a:t>Integral Wavelet Transform is given by</a:t>
-                </a:r>
-              </a:p>
-              <a:p>
-                <a:pPr marL="0" indent="0">
-                  <a:buNone/>
-                </a:pPr>
-                <a14:m>
-                  <m:oMathPara xmlns:m="http://schemas.openxmlformats.org/officeDocument/2006/math">
-                    <m:oMathParaPr>
-                      <m:jc m:val="centerGroup"/>
-                    </m:oMathParaPr>
-                    <m:oMath xmlns:m="http://schemas.openxmlformats.org/officeDocument/2006/math">
-                      <m:sSub>
-                        <m:sSubPr>
-                          <m:ctrlPr>
-                            <a:rPr lang="en-US" i="1" smtClean="0">
-                              <a:latin typeface="Cambria Math" panose="02040503050406030204" pitchFamily="18" charset="0"/>
-                            </a:rPr>
-                          </m:ctrlPr>
-                        </m:sSubPr>
-                        <m:e>
-                          <m:r>
-                            <a:rPr lang="en-US" b="0" i="1" smtClean="0">
-                              <a:latin typeface="Cambria Math" panose="02040503050406030204" pitchFamily="18" charset="0"/>
-                            </a:rPr>
-                            <m:t>[</m:t>
-                          </m:r>
-                          <m:r>
-                            <a:rPr lang="en-US" b="0" i="1" smtClean="0">
-                              <a:latin typeface="Cambria Math" panose="02040503050406030204" pitchFamily="18" charset="0"/>
-                            </a:rPr>
-                            <m:t>𝑊</m:t>
-                          </m:r>
-                        </m:e>
-                        <m:sub>
-                          <m:r>
-                            <a:rPr lang="en-US" i="1" smtClean="0">
-                              <a:latin typeface="Cambria Math" panose="02040503050406030204" pitchFamily="18" charset="0"/>
-                              <a:ea typeface="Cambria Math" panose="02040503050406030204" pitchFamily="18" charset="0"/>
-                            </a:rPr>
-                            <m:t>𝜓</m:t>
-                          </m:r>
-                        </m:sub>
-                      </m:sSub>
-                      <m:r>
-                        <a:rPr lang="en-US" b="0" i="1" smtClean="0">
-                          <a:latin typeface="Cambria Math" panose="02040503050406030204" pitchFamily="18" charset="0"/>
-                        </a:rPr>
-                        <m:t>]</m:t>
-                      </m:r>
-                      <m:d>
-                        <m:dPr>
-                          <m:ctrlPr>
-                            <a:rPr lang="en-US" b="0" i="1" smtClean="0">
-                              <a:latin typeface="Cambria Math" panose="02040503050406030204" pitchFamily="18" charset="0"/>
-                            </a:rPr>
-                          </m:ctrlPr>
-                        </m:dPr>
-                        <m:e>
-                          <m:r>
-                            <a:rPr lang="en-US" b="0" i="1" smtClean="0">
-                              <a:latin typeface="Cambria Math" panose="02040503050406030204" pitchFamily="18" charset="0"/>
-                            </a:rPr>
-                            <m:t>𝑎</m:t>
-                          </m:r>
-                          <m:r>
-                            <a:rPr lang="en-US" b="0" i="1" smtClean="0">
-                              <a:latin typeface="Cambria Math" panose="02040503050406030204" pitchFamily="18" charset="0"/>
-                            </a:rPr>
-                            <m:t>,</m:t>
-                          </m:r>
-                          <m:r>
-                            <a:rPr lang="en-US" b="0" i="1" smtClean="0">
-                              <a:latin typeface="Cambria Math" panose="02040503050406030204" pitchFamily="18" charset="0"/>
-                            </a:rPr>
-                            <m:t>𝑏</m:t>
-                          </m:r>
-                        </m:e>
-                      </m:d>
-                      <m:r>
-                        <a:rPr lang="en-US" b="0" i="1" smtClean="0">
-                          <a:latin typeface="Cambria Math" panose="02040503050406030204" pitchFamily="18" charset="0"/>
-                        </a:rPr>
-                        <m:t>=</m:t>
-                      </m:r>
-                      <m:f>
-                        <m:fPr>
-                          <m:ctrlPr>
-                            <a:rPr lang="en-US" b="0" i="1" smtClean="0">
-                              <a:latin typeface="Cambria Math" panose="02040503050406030204" pitchFamily="18" charset="0"/>
-                            </a:rPr>
-                          </m:ctrlPr>
-                        </m:fPr>
-                        <m:num>
-                          <m:r>
-                            <a:rPr lang="en-US" b="0" i="1" smtClean="0">
-                              <a:latin typeface="Cambria Math" panose="02040503050406030204" pitchFamily="18" charset="0"/>
-                            </a:rPr>
-                            <m:t>1</m:t>
-                          </m:r>
-                        </m:num>
-                        <m:den>
-                          <m:rad>
-                            <m:radPr>
-                              <m:degHide m:val="on"/>
-                              <m:ctrlPr>
-                                <a:rPr lang="en-US" b="0" i="1" smtClean="0">
-                                  <a:latin typeface="Cambria Math" panose="02040503050406030204" pitchFamily="18" charset="0"/>
-                                  <a:ea typeface="Cambria Math" panose="02040503050406030204" pitchFamily="18" charset="0"/>
-                                </a:rPr>
-                              </m:ctrlPr>
-                            </m:radPr>
-                            <m:deg/>
-                            <m:e>
-                              <m:r>
-                                <a:rPr lang="en-US" b="0" i="1" smtClean="0">
-                                  <a:latin typeface="Cambria Math" panose="02040503050406030204" pitchFamily="18" charset="0"/>
-                                  <a:ea typeface="Cambria Math" panose="02040503050406030204" pitchFamily="18" charset="0"/>
-                                </a:rPr>
-                                <m:t>𝑎</m:t>
-                              </m:r>
-                            </m:e>
-                          </m:rad>
-                        </m:den>
-                      </m:f>
-                      <m:nary>
-                        <m:naryPr>
-                          <m:limLoc m:val="undOvr"/>
-                          <m:ctrlPr>
-                            <a:rPr lang="en-US" b="0" i="1" smtClean="0">
-                              <a:latin typeface="Cambria Math" panose="02040503050406030204" pitchFamily="18" charset="0"/>
-                            </a:rPr>
-                          </m:ctrlPr>
-                        </m:naryPr>
-                        <m:sub>
-                          <m:r>
-                            <m:rPr>
-                              <m:brk m:alnAt="24"/>
-                            </m:rPr>
-                            <a:rPr lang="en-US" b="0" i="1" smtClean="0">
-                              <a:latin typeface="Cambria Math" panose="02040503050406030204" pitchFamily="18" charset="0"/>
-                            </a:rPr>
-                            <m:t>−</m:t>
-                          </m:r>
-                          <m:r>
-                            <a:rPr lang="en-US" b="0" i="1" smtClean="0">
-                              <a:latin typeface="Cambria Math" panose="02040503050406030204" pitchFamily="18" charset="0"/>
-                              <a:ea typeface="Cambria Math" panose="02040503050406030204" pitchFamily="18" charset="0"/>
-                            </a:rPr>
-                            <m:t>∞</m:t>
-                          </m:r>
-                        </m:sub>
-                        <m:sup>
-                          <m:r>
-                            <a:rPr lang="en-US" b="0" i="1" smtClean="0">
-                              <a:latin typeface="Cambria Math" panose="02040503050406030204" pitchFamily="18" charset="0"/>
-                              <a:ea typeface="Cambria Math" panose="02040503050406030204" pitchFamily="18" charset="0"/>
-                            </a:rPr>
-                            <m:t>∞</m:t>
-                          </m:r>
-                        </m:sup>
-                        <m:e>
-                          <m:acc>
-                            <m:accPr>
-                              <m:chr m:val="̅"/>
-                              <m:ctrlPr>
-                                <a:rPr lang="en-US" b="0" i="1" smtClean="0">
-                                  <a:latin typeface="Cambria Math" panose="02040503050406030204" pitchFamily="18" charset="0"/>
-                                  <a:ea typeface="Cambria Math" panose="02040503050406030204" pitchFamily="18" charset="0"/>
-                                </a:rPr>
-                              </m:ctrlPr>
-                            </m:accPr>
-                            <m:e>
-                              <m:r>
-                                <a:rPr lang="en-US" i="1">
-                                  <a:latin typeface="Cambria Math" panose="02040503050406030204" pitchFamily="18" charset="0"/>
-                                  <a:ea typeface="Cambria Math" panose="02040503050406030204" pitchFamily="18" charset="0"/>
-                                </a:rPr>
-                                <m:t>𝜓</m:t>
-                              </m:r>
-                              <m:d>
-                                <m:dPr>
-                                  <m:ctrlPr>
-                                    <a:rPr lang="en-US" i="1">
-                                      <a:latin typeface="Cambria Math" panose="02040503050406030204" pitchFamily="18" charset="0"/>
-                                      <a:ea typeface="Cambria Math" panose="02040503050406030204" pitchFamily="18" charset="0"/>
-                                    </a:rPr>
-                                  </m:ctrlPr>
-                                </m:dPr>
-                                <m:e>
-                                  <m:f>
-                                    <m:fPr>
-                                      <m:ctrlPr>
-                                        <a:rPr lang="en-US" i="1">
-                                          <a:latin typeface="Cambria Math" panose="02040503050406030204" pitchFamily="18" charset="0"/>
-                                          <a:ea typeface="Cambria Math" panose="02040503050406030204" pitchFamily="18" charset="0"/>
-                                        </a:rPr>
-                                      </m:ctrlPr>
-                                    </m:fPr>
-                                    <m:num>
-                                      <m:r>
-                                        <a:rPr lang="en-US" i="1">
-                                          <a:latin typeface="Cambria Math" panose="02040503050406030204" pitchFamily="18" charset="0"/>
-                                          <a:ea typeface="Cambria Math" panose="02040503050406030204" pitchFamily="18" charset="0"/>
-                                        </a:rPr>
-                                        <m:t>𝑥</m:t>
-                                      </m:r>
-                                      <m:r>
-                                        <a:rPr lang="en-US" i="1">
-                                          <a:latin typeface="Cambria Math" panose="02040503050406030204" pitchFamily="18" charset="0"/>
-                                          <a:ea typeface="Cambria Math" panose="02040503050406030204" pitchFamily="18" charset="0"/>
-                                        </a:rPr>
-                                        <m:t>−</m:t>
-                                      </m:r>
-                                      <m:r>
-                                        <a:rPr lang="en-US" i="1">
-                                          <a:latin typeface="Cambria Math" panose="02040503050406030204" pitchFamily="18" charset="0"/>
-                                          <a:ea typeface="Cambria Math" panose="02040503050406030204" pitchFamily="18" charset="0"/>
-                                        </a:rPr>
-                                        <m:t>𝑏</m:t>
-                                      </m:r>
-                                    </m:num>
-                                    <m:den>
-                                      <m:r>
-                                        <a:rPr lang="en-US" i="1">
-                                          <a:latin typeface="Cambria Math" panose="02040503050406030204" pitchFamily="18" charset="0"/>
-                                          <a:ea typeface="Cambria Math" panose="02040503050406030204" pitchFamily="18" charset="0"/>
-                                        </a:rPr>
-                                        <m:t>𝑎</m:t>
-                                      </m:r>
-                                    </m:den>
-                                  </m:f>
-                                </m:e>
-                              </m:d>
-                            </m:e>
-                          </m:acc>
-                        </m:e>
-                      </m:nary>
-                      <m:r>
-                        <a:rPr lang="en-US" b="0" i="1" smtClean="0">
-                          <a:latin typeface="Cambria Math" panose="02040503050406030204" pitchFamily="18" charset="0"/>
-                        </a:rPr>
-                        <m:t> </m:t>
-                      </m:r>
-                      <m:r>
-                        <a:rPr lang="en-US" b="0" i="1" smtClean="0">
-                          <a:latin typeface="Cambria Math" panose="02040503050406030204" pitchFamily="18" charset="0"/>
-                        </a:rPr>
-                        <m:t>𝑓</m:t>
-                      </m:r>
-                      <m:d>
-                        <m:dPr>
-                          <m:ctrlPr>
-                            <a:rPr lang="en-US" b="0" i="1" smtClean="0">
-                              <a:latin typeface="Cambria Math" panose="02040503050406030204" pitchFamily="18" charset="0"/>
-                            </a:rPr>
-                          </m:ctrlPr>
-                        </m:dPr>
-                        <m:e>
-                          <m:r>
-                            <a:rPr lang="en-US" b="0" i="1" smtClean="0">
-                              <a:latin typeface="Cambria Math" panose="02040503050406030204" pitchFamily="18" charset="0"/>
-                            </a:rPr>
-                            <m:t>𝑥</m:t>
-                          </m:r>
-                        </m:e>
-                      </m:d>
-                      <m:r>
-                        <a:rPr lang="en-US" b="0" i="1" smtClean="0">
-                          <a:latin typeface="Cambria Math" panose="02040503050406030204" pitchFamily="18" charset="0"/>
-                        </a:rPr>
-                        <m:t> </m:t>
-                      </m:r>
-                      <m:r>
-                        <a:rPr lang="en-US" b="0" i="1" smtClean="0">
-                          <a:latin typeface="Cambria Math" panose="02040503050406030204" pitchFamily="18" charset="0"/>
-                        </a:rPr>
-                        <m:t>𝑑𝑥</m:t>
-                      </m:r>
-                    </m:oMath>
-                  </m:oMathPara>
-                </a14:m>
-                <a:endParaRPr lang="en-US" dirty="0"/>
-              </a:p>
-              <a:p>
-                <a:pPr marL="0" indent="0">
-                  <a:buNone/>
-                </a:pPr>
-                <a:r>
-                  <a:rPr lang="en-US" dirty="0"/>
-                  <a:t>The coefficients a and b refers to</a:t>
-                </a:r>
-              </a:p>
-              <a:p>
-                <a:pPr marL="0" indent="0">
-                  <a:buNone/>
-                </a:pPr>
-                <a:r>
-                  <a:rPr lang="en-US" dirty="0"/>
-                  <a:t>	a = dyadic/binary dilation</a:t>
-                </a:r>
-              </a:p>
-              <a:p>
-                <a:pPr marL="0" indent="0">
-                  <a:buNone/>
-                </a:pPr>
-                <a:r>
-                  <a:rPr lang="en-US" dirty="0"/>
-                  <a:t>	b = binary/dyadic position</a:t>
-                </a:r>
-              </a:p>
-              <a:p>
-                <a:pPr marL="0" indent="0">
-                  <a:buNone/>
-                </a:pPr>
-                <a:r>
-                  <a:rPr lang="en-US" dirty="0"/>
-                  <a:t>		where, a – corresponds to dilation and</a:t>
-                </a:r>
-              </a:p>
-              <a:p>
-                <a:pPr marL="0" indent="0">
-                  <a:buNone/>
-                </a:pPr>
-                <a:r>
-                  <a:rPr lang="en-US" dirty="0"/>
-                  <a:t>			  b – corresponds to translation	</a:t>
-                </a:r>
-              </a:p>
-              <a:p>
-                <a:pPr marL="0" indent="0">
-                  <a:buNone/>
-                </a:pPr>
-                <a:endParaRPr lang="en-IN" dirty="0"/>
-              </a:p>
-            </p:txBody>
-          </p:sp>
-        </mc:Choice>
-        <mc:Fallback>
-          <p:sp>
-            <p:nvSpPr>
-              <p:cNvPr id="3" name="Content Placeholder 2">
-                <a:extLst>
-                  <a:ext uri="{FF2B5EF4-FFF2-40B4-BE49-F238E27FC236}">
-                    <a16:creationId xmlns:a16="http://schemas.microsoft.com/office/drawing/2014/main" id="{4D7AEBB3-55EA-C6E3-884E-48959C42C5A4}"/>
-                  </a:ext>
-                </a:extLst>
-              </p:cNvPr>
-              <p:cNvSpPr>
-                <a:spLocks noGrp="1" noRot="1" noChangeAspect="1" noMove="1" noResize="1" noEditPoints="1" noAdjustHandles="1" noChangeArrowheads="1" noChangeShapeType="1" noTextEdit="1"/>
-              </p:cNvSpPr>
-              <p:nvPr>
-                <p:ph idx="1"/>
-              </p:nvPr>
-            </p:nvSpPr>
-            <p:spPr>
-              <a:xfrm>
-                <a:off x="838200" y="1184988"/>
-                <a:ext cx="10515600" cy="4991975"/>
-              </a:xfrm>
-              <a:blipFill>
-                <a:blip r:embed="rId2"/>
-                <a:stretch>
-                  <a:fillRect l="-1217" t="-2686" r="-870"/>
-                </a:stretch>
-              </a:blipFill>
-            </p:spPr>
-            <p:txBody>
-              <a:bodyPr/>
-              <a:lstStyle/>
-              <a:p>
-                <a:r>
-                  <a:rPr lang="en-IN">
-                    <a:noFill/>
-                  </a:rPr>
-                  <a:t> </a:t>
-                </a:r>
-              </a:p>
-            </p:txBody>
-          </p:sp>
-        </mc:Fallback>
-      </mc:AlternateContent>
-      <p:sp>
-        <p:nvSpPr>
-          <p:cNvPr id="4" name="TextBox 3">
-            <a:extLst>
-              <a:ext uri="{FF2B5EF4-FFF2-40B4-BE49-F238E27FC236}">
-                <a16:creationId xmlns:a16="http://schemas.microsoft.com/office/drawing/2014/main" id="{1D75320C-F14B-1150-8520-F1B3E7A90696}"/>
-              </a:ext>
-            </a:extLst>
-          </p:cNvPr>
-          <p:cNvSpPr txBox="1"/>
-          <p:nvPr/>
+      <p:sp>
+        <p:nvSpPr>
+          <p:cNvPr id="3" name="Content Placeholder 2">
+            <a:extLst>
+              <a:ext uri="{FF2B5EF4-FFF2-40B4-BE49-F238E27FC236}">
+                <a16:creationId xmlns:a16="http://schemas.microsoft.com/office/drawing/2014/main" id="{4D7AEBB3-55EA-C6E3-884E-48959C42C5A4}"/>
+              </a:ext>
+            </a:extLst>
+          </p:cNvPr>
+          <p:cNvSpPr>
+            <a:spLocks noGrp="1"/>
+          </p:cNvSpPr>
+          <p:nvPr>
+            <p:ph idx="1"/>
+          </p:nvPr>
         </p:nvSpPr>
         <p:spPr>
           <a:xfrm>
-            <a:off x="10461522" y="496371"/>
-            <a:ext cx="1333507" cy="369332"/>
+            <a:off x="838200" y="1576468"/>
+            <a:ext cx="9915939" cy="3705064"/>
           </a:xfrm>
-          <a:prstGeom prst="rect">
-            <a:avLst/>
-          </a:prstGeom>
-          <a:noFill/>
         </p:spPr>
         <p:txBody>
-          <a:bodyPr wrap="none" rtlCol="0">
-            <a:spAutoFit/>
+          <a:bodyPr>
+            <a:normAutofit/>
           </a:bodyPr>
           <a:lstStyle/>
           <a:p>
-            <a:r>
-              <a:rPr lang="en-US" dirty="0"/>
-              <a:t>Continued…</a:t>
-            </a:r>
-            <a:endParaRPr lang="en-IN" dirty="0"/>
-          </a:p>
-        </p:txBody>
-      </p:sp>
-      <p:sp>
-        <p:nvSpPr>
-          <p:cNvPr id="6" name="AutoShape 3" descr="\left[W_\psi f\right](a, b) = \frac{1}{\sqrt{|a|}} \int_{-\infty}^\infty \overline{\psi\left(\frac{x-b}{a}\right)}f(x)dx\,">
-            <a:extLst>
-              <a:ext uri="{FF2B5EF4-FFF2-40B4-BE49-F238E27FC236}">
-                <a16:creationId xmlns:a16="http://schemas.microsoft.com/office/drawing/2014/main" id="{73FA8B8E-5E1A-51E2-CCF3-EE3AF5385EB3}"/>
-              </a:ext>
-            </a:extLst>
-          </p:cNvPr>
-          <p:cNvSpPr>
-            <a:spLocks noChangeAspect="1" noChangeArrowheads="1"/>
-          </p:cNvSpPr>
-          <p:nvPr/>
-        </p:nvSpPr>
-        <p:spPr bwMode="auto">
-          <a:xfrm>
-            <a:off x="196850" y="-198438"/>
-            <a:ext cx="304800" cy="304801"/>
-          </a:xfrm>
-          <a:prstGeom prst="rect">
-            <a:avLst/>
-          </a:prstGeom>
-          <a:noFill/>
-          <a:extLst>
-            <a:ext uri="{909E8E84-426E-40DD-AFC4-6F175D3DCCD1}">
-              <a14:hiddenFill xmlns:a14="http://schemas.microsoft.com/office/drawing/2010/main">
+            <a:pPr marL="0" indent="0">
+              <a:buNone/>
+            </a:pPr>
+            <a:r>
+              <a:rPr lang="en-US" sz="2400" dirty="0">
                 <a:solidFill>
-                  <a:srgbClr val="FFFFFF"/>
+                  <a:srgbClr val="242424"/>
                 </a:solidFill>
-              </a14:hiddenFill>
-            </a:ext>
-          </a:extLst>
-        </p:spPr>
-        <p:txBody>
-          <a:bodyPr vert="horz" wrap="square" lIns="91440" tIns="45720" rIns="91440" bIns="45720" numCol="1" anchor="t" anchorCtr="0" compatLnSpc="1">
-            <a:prstTxWarp prst="textNoShape">
-              <a:avLst/>
-            </a:prstTxWarp>
-          </a:bodyPr>
-          <a:lstStyle/>
-          <a:p>
-            <a:endParaRPr lang="en-IN"/>
+              </a:rPr>
+              <a:t>According to Heisenberg uncertainty, frequency and amplitude cannot be measured at the same time. This implies to Wavelet Analysis as well.</a:t>
+            </a:r>
+          </a:p>
+          <a:p>
+            <a:pPr marL="0" indent="0">
+              <a:buNone/>
+            </a:pPr>
+            <a:r>
+              <a:rPr lang="en-US" sz="2400" dirty="0">
+                <a:solidFill>
+                  <a:srgbClr val="242424"/>
+                </a:solidFill>
+              </a:rPr>
+              <a:t>At lower frequency, error in time is wide and in frequency is narrow.</a:t>
+            </a:r>
+          </a:p>
+          <a:p>
+            <a:pPr marL="0" indent="0">
+              <a:buNone/>
+            </a:pPr>
+            <a:r>
+              <a:rPr lang="en-US" sz="2400" dirty="0">
+                <a:solidFill>
+                  <a:srgbClr val="242424"/>
+                </a:solidFill>
+              </a:rPr>
+              <a:t>At higher time, error in frequency is wide and in time is narrow.</a:t>
+            </a:r>
+          </a:p>
+          <a:p>
+            <a:pPr marL="0" indent="0">
+              <a:buNone/>
+            </a:pPr>
+            <a:r>
+              <a:rPr lang="en-US" sz="2400" dirty="0">
+                <a:solidFill>
+                  <a:srgbClr val="242424"/>
+                </a:solidFill>
+              </a:rPr>
+              <a:t>This practically makes sense, because we need the exact time measure of higher frequency (especially for sounds) and lower frequency waves doesn’t matter at all and they can be present throughout audio wave (like noise).</a:t>
+            </a:r>
+          </a:p>
+          <a:p>
+            <a:pPr marL="0" indent="0">
+              <a:buNone/>
+            </a:pPr>
+            <a:r>
+              <a:rPr lang="en-US" sz="2400" dirty="0"/>
+              <a:t>Different types of wavelets are employed for various analysis like Daubechies for image analysis.</a:t>
+            </a:r>
+          </a:p>
+          <a:p>
+            <a:pPr marL="0" indent="0">
+              <a:buNone/>
+            </a:pPr>
+            <a:endParaRPr lang="en-IN" sz="2400" dirty="0"/>
           </a:p>
         </p:txBody>
       </p:sp>
     </p:spTree>
     <p:extLst>
       <p:ext uri="{BB962C8B-B14F-4D97-AF65-F5344CB8AC3E}">
-        <p14:creationId xmlns:p14="http://schemas.microsoft.com/office/powerpoint/2010/main" val="1829204276"/>
+        <p14:creationId xmlns:p14="http://schemas.microsoft.com/office/powerpoint/2010/main" val="1578628485"/>
       </p:ext>
     </p:extLst>
   </p:cSld>
@@ -5190,6 +5017,1260 @@
     <p:extLst>
       <p:ext uri="{BB962C8B-B14F-4D97-AF65-F5344CB8AC3E}">
         <p14:creationId xmlns:p14="http://schemas.microsoft.com/office/powerpoint/2010/main" val="4265385274"/>
+      </p:ext>
+    </p:extLst>
+  </p:cSld>
+  <p:clrMapOvr>
+    <a:masterClrMapping/>
+  </p:clrMapOvr>
+</p:sld>
+</file>
+
+<file path=ppt/slides/slide6.xml><?xml version="1.0" encoding="utf-8"?>
+<p:sld xmlns:a="http://schemas.openxmlformats.org/drawingml/2006/main" xmlns:r="http://schemas.openxmlformats.org/officeDocument/2006/relationships" xmlns:p="http://schemas.openxmlformats.org/presentationml/2006/main">
+  <p:cSld>
+    <p:spTree>
+      <p:nvGrpSpPr>
+        <p:cNvPr id="1" name=""/>
+        <p:cNvGrpSpPr/>
+        <p:nvPr/>
+      </p:nvGrpSpPr>
+      <p:grpSpPr>
+        <a:xfrm>
+          <a:off x="0" y="0"/>
+          <a:ext cx="0" cy="0"/>
+          <a:chOff x="0" y="0"/>
+          <a:chExt cx="0" cy="0"/>
+        </a:xfrm>
+      </p:grpSpPr>
+      <p:sp>
+        <p:nvSpPr>
+          <p:cNvPr id="2" name="Title 1">
+            <a:extLst>
+              <a:ext uri="{FF2B5EF4-FFF2-40B4-BE49-F238E27FC236}">
+                <a16:creationId xmlns:a16="http://schemas.microsoft.com/office/drawing/2014/main" id="{7CA66948-9675-3988-E01C-B73450E71E84}"/>
+              </a:ext>
+            </a:extLst>
+          </p:cNvPr>
+          <p:cNvSpPr>
+            <a:spLocks noGrp="1"/>
+          </p:cNvSpPr>
+          <p:nvPr>
+            <p:ph type="title"/>
+          </p:nvPr>
+        </p:nvSpPr>
+        <p:spPr>
+          <a:xfrm>
+            <a:off x="838199" y="365125"/>
+            <a:ext cx="7560365" cy="716423"/>
+          </a:xfrm>
+        </p:spPr>
+        <p:txBody>
+          <a:bodyPr>
+            <a:normAutofit/>
+          </a:bodyPr>
+          <a:lstStyle/>
+          <a:p>
+            <a:r>
+              <a:rPr lang="en-US" sz="4000" b="1" dirty="0"/>
+              <a:t>Discrete Wavelet Transform (DWT):</a:t>
+            </a:r>
+            <a:endParaRPr lang="en-IN" sz="4000" b="1" dirty="0"/>
+          </a:p>
+        </p:txBody>
+      </p:sp>
+      <p:sp>
+        <p:nvSpPr>
+          <p:cNvPr id="3" name="Content Placeholder 2">
+            <a:extLst>
+              <a:ext uri="{FF2B5EF4-FFF2-40B4-BE49-F238E27FC236}">
+                <a16:creationId xmlns:a16="http://schemas.microsoft.com/office/drawing/2014/main" id="{1A908C0E-5AF1-55A6-D90D-51E0009A6A4C}"/>
+              </a:ext>
+            </a:extLst>
+          </p:cNvPr>
+          <p:cNvSpPr>
+            <a:spLocks noGrp="1"/>
+          </p:cNvSpPr>
+          <p:nvPr>
+            <p:ph idx="1"/>
+          </p:nvPr>
+        </p:nvSpPr>
+        <p:spPr>
+          <a:xfrm>
+            <a:off x="838201" y="1524000"/>
+            <a:ext cx="5641258" cy="4652963"/>
+          </a:xfrm>
+        </p:spPr>
+        <p:txBody>
+          <a:bodyPr/>
+          <a:lstStyle/>
+          <a:p>
+            <a:r>
+              <a:rPr lang="en-US" b="1" i="0" dirty="0">
+                <a:solidFill>
+                  <a:srgbClr val="202122"/>
+                </a:solidFill>
+                <a:effectLst/>
+              </a:rPr>
+              <a:t>Discrete wavelet transform</a:t>
+            </a:r>
+            <a:r>
+              <a:rPr lang="en-US" b="0" i="0" dirty="0">
+                <a:solidFill>
+                  <a:srgbClr val="202122"/>
+                </a:solidFill>
+                <a:effectLst/>
+              </a:rPr>
+              <a:t> (</a:t>
+            </a:r>
+            <a:r>
+              <a:rPr lang="en-US" b="1" i="0" dirty="0">
+                <a:solidFill>
+                  <a:srgbClr val="202122"/>
+                </a:solidFill>
+                <a:effectLst/>
+              </a:rPr>
+              <a:t>DWT</a:t>
+            </a:r>
+            <a:r>
+              <a:rPr lang="en-US" b="0" i="0" dirty="0">
+                <a:solidFill>
+                  <a:srgbClr val="202122"/>
+                </a:solidFill>
+                <a:effectLst/>
+              </a:rPr>
+              <a:t>) is any wavelet transform for which the wavelets are discretely sampled.</a:t>
+            </a:r>
+          </a:p>
+          <a:p>
+            <a:r>
+              <a:rPr lang="en-US" b="0" i="0" dirty="0">
+                <a:solidFill>
+                  <a:srgbClr val="202122"/>
+                </a:solidFill>
+                <a:effectLst/>
+              </a:rPr>
+              <a:t>As with other wavelet transforms, a key advantage it has over Fourier Transforms is temporal resolution: it captures both frequency </a:t>
+            </a:r>
+            <a:r>
+              <a:rPr lang="en-US" b="0" i="1" dirty="0">
+                <a:solidFill>
+                  <a:srgbClr val="202122"/>
+                </a:solidFill>
+                <a:effectLst/>
+              </a:rPr>
+              <a:t>and</a:t>
+            </a:r>
+            <a:r>
+              <a:rPr lang="en-US" b="0" i="0" dirty="0">
+                <a:solidFill>
+                  <a:srgbClr val="202122"/>
+                </a:solidFill>
+                <a:effectLst/>
+              </a:rPr>
+              <a:t> location information (location in time)</a:t>
+            </a:r>
+            <a:endParaRPr lang="en-IN" dirty="0"/>
+          </a:p>
+        </p:txBody>
+      </p:sp>
+      <p:pic>
+        <p:nvPicPr>
+          <p:cNvPr id="1026" name="Picture 2">
+            <a:extLst>
+              <a:ext uri="{FF2B5EF4-FFF2-40B4-BE49-F238E27FC236}">
+                <a16:creationId xmlns:a16="http://schemas.microsoft.com/office/drawing/2014/main" id="{89CB09F8-578D-4141-D9AE-754DD932E9CE}"/>
+              </a:ext>
+            </a:extLst>
+          </p:cNvPr>
+          <p:cNvPicPr>
+            <a:picLocks noChangeAspect="1" noChangeArrowheads="1"/>
+          </p:cNvPicPr>
+          <p:nvPr/>
+        </p:nvPicPr>
+        <p:blipFill>
+          <a:blip r:embed="rId3">
+            <a:extLst>
+              <a:ext uri="{28A0092B-C50C-407E-A947-70E740481C1C}">
+                <a14:useLocalDpi xmlns:a14="http://schemas.microsoft.com/office/drawing/2010/main" val="0"/>
+              </a:ext>
+            </a:extLst>
+          </a:blip>
+          <a:srcRect/>
+          <a:stretch>
+            <a:fillRect/>
+          </a:stretch>
+        </p:blipFill>
+        <p:spPr bwMode="auto">
+          <a:xfrm>
+            <a:off x="7288267" y="1339491"/>
+            <a:ext cx="4385187" cy="4837472"/>
+          </a:xfrm>
+          <a:prstGeom prst="rect">
+            <a:avLst/>
+          </a:prstGeom>
+          <a:noFill/>
+          <a:extLst>
+            <a:ext uri="{909E8E84-426E-40DD-AFC4-6F175D3DCCD1}">
+              <a14:hiddenFill xmlns:a14="http://schemas.microsoft.com/office/drawing/2010/main">
+                <a:solidFill>
+                  <a:srgbClr val="FFFFFF"/>
+                </a:solidFill>
+              </a14:hiddenFill>
+            </a:ext>
+          </a:extLst>
+        </p:spPr>
+      </p:pic>
+    </p:spTree>
+    <p:extLst>
+      <p:ext uri="{BB962C8B-B14F-4D97-AF65-F5344CB8AC3E}">
+        <p14:creationId xmlns:p14="http://schemas.microsoft.com/office/powerpoint/2010/main" val="1773579652"/>
+      </p:ext>
+    </p:extLst>
+  </p:cSld>
+  <p:clrMapOvr>
+    <a:masterClrMapping/>
+  </p:clrMapOvr>
+</p:sld>
+</file>
+
+<file path=ppt/slides/slide7.xml><?xml version="1.0" encoding="utf-8"?>
+<p:sld xmlns:a="http://schemas.openxmlformats.org/drawingml/2006/main" xmlns:r="http://schemas.openxmlformats.org/officeDocument/2006/relationships" xmlns:p="http://schemas.openxmlformats.org/presentationml/2006/main">
+  <p:cSld>
+    <p:spTree>
+      <p:nvGrpSpPr>
+        <p:cNvPr id="1" name=""/>
+        <p:cNvGrpSpPr/>
+        <p:nvPr/>
+      </p:nvGrpSpPr>
+      <p:grpSpPr>
+        <a:xfrm>
+          <a:off x="0" y="0"/>
+          <a:ext cx="0" cy="0"/>
+          <a:chOff x="0" y="0"/>
+          <a:chExt cx="0" cy="0"/>
+        </a:xfrm>
+      </p:grpSpPr>
+      <p:sp>
+        <p:nvSpPr>
+          <p:cNvPr id="2" name="Title 1">
+            <a:extLst>
+              <a:ext uri="{FF2B5EF4-FFF2-40B4-BE49-F238E27FC236}">
+                <a16:creationId xmlns:a16="http://schemas.microsoft.com/office/drawing/2014/main" id="{7CA66948-9675-3988-E01C-B73450E71E84}"/>
+              </a:ext>
+            </a:extLst>
+          </p:cNvPr>
+          <p:cNvSpPr>
+            <a:spLocks noGrp="1"/>
+          </p:cNvSpPr>
+          <p:nvPr>
+            <p:ph type="title"/>
+          </p:nvPr>
+        </p:nvSpPr>
+        <p:spPr>
+          <a:xfrm>
+            <a:off x="838200" y="365125"/>
+            <a:ext cx="6781800" cy="716423"/>
+          </a:xfrm>
+        </p:spPr>
+        <p:txBody>
+          <a:bodyPr>
+            <a:normAutofit/>
+          </a:bodyPr>
+          <a:lstStyle/>
+          <a:p>
+            <a:r>
+              <a:rPr lang="en-US" sz="4000" b="1" dirty="0"/>
+              <a:t>Applications of DWT:</a:t>
+            </a:r>
+            <a:endParaRPr lang="en-IN" sz="4000" b="1" dirty="0"/>
+          </a:p>
+        </p:txBody>
+      </p:sp>
+      <p:sp>
+        <p:nvSpPr>
+          <p:cNvPr id="3" name="Content Placeholder 2">
+            <a:extLst>
+              <a:ext uri="{FF2B5EF4-FFF2-40B4-BE49-F238E27FC236}">
+                <a16:creationId xmlns:a16="http://schemas.microsoft.com/office/drawing/2014/main" id="{1A908C0E-5AF1-55A6-D90D-51E0009A6A4C}"/>
+              </a:ext>
+            </a:extLst>
+          </p:cNvPr>
+          <p:cNvSpPr>
+            <a:spLocks noGrp="1"/>
+          </p:cNvSpPr>
+          <p:nvPr>
+            <p:ph idx="1"/>
+          </p:nvPr>
+        </p:nvSpPr>
+        <p:spPr>
+          <a:xfrm>
+            <a:off x="646044" y="1179871"/>
+            <a:ext cx="6698974" cy="5313003"/>
+          </a:xfrm>
+        </p:spPr>
+        <p:txBody>
+          <a:bodyPr>
+            <a:normAutofit fontScale="92500"/>
+          </a:bodyPr>
+          <a:lstStyle/>
+          <a:p>
+            <a:pPr algn="l"/>
+            <a:r>
+              <a:rPr lang="en-US" sz="2400" b="0" i="0" dirty="0">
+                <a:solidFill>
+                  <a:srgbClr val="202122"/>
+                </a:solidFill>
+                <a:effectLst/>
+                <a:cs typeface="Arial" panose="020B0604020202020204" pitchFamily="34" charset="0"/>
+              </a:rPr>
+              <a:t>The discrete wavelet transform has a huge number of applications in science, engineering, mathematics and computer science.</a:t>
+            </a:r>
+          </a:p>
+          <a:p>
+            <a:pPr algn="l"/>
+            <a:r>
+              <a:rPr lang="en-US" sz="2400" b="0" i="0" dirty="0">
+                <a:solidFill>
+                  <a:srgbClr val="202122"/>
+                </a:solidFill>
+                <a:effectLst/>
+                <a:cs typeface="Arial" panose="020B0604020202020204" pitchFamily="34" charset="0"/>
+              </a:rPr>
+              <a:t>Most notably, it is used for signal coding, to represent a discrete signal in a more redundant form, often as a preconditioning for data compression.</a:t>
+            </a:r>
+          </a:p>
+          <a:p>
+            <a:pPr algn="l"/>
+            <a:r>
+              <a:rPr lang="en-US" sz="2400" b="0" i="0" dirty="0">
+                <a:solidFill>
+                  <a:srgbClr val="202122"/>
+                </a:solidFill>
+                <a:effectLst/>
+                <a:cs typeface="Arial" panose="020B0604020202020204" pitchFamily="34" charset="0"/>
+              </a:rPr>
+              <a:t>Practical applications can also be found in signal processing of accelerations for gait analysis,</a:t>
+            </a:r>
+            <a:r>
+              <a:rPr lang="en-US" sz="2400" b="0" i="0" baseline="30000" dirty="0">
+                <a:solidFill>
+                  <a:srgbClr val="3366CC"/>
+                </a:solidFill>
+                <a:effectLst/>
+                <a:cs typeface="Arial" panose="020B0604020202020204" pitchFamily="34" charset="0"/>
+              </a:rPr>
+              <a:t> </a:t>
+            </a:r>
+            <a:r>
+              <a:rPr lang="en-US" sz="2400" b="0" i="0" dirty="0">
+                <a:solidFill>
+                  <a:srgbClr val="202122"/>
+                </a:solidFill>
+                <a:effectLst/>
+                <a:cs typeface="Arial" panose="020B0604020202020204" pitchFamily="34" charset="0"/>
+              </a:rPr>
+              <a:t>image processing,</a:t>
+            </a:r>
+            <a:r>
+              <a:rPr lang="en-US" sz="2400" b="0" i="0" baseline="30000" dirty="0">
+                <a:solidFill>
+                  <a:srgbClr val="3366CC"/>
+                </a:solidFill>
+                <a:effectLst/>
+                <a:cs typeface="Arial" panose="020B0604020202020204" pitchFamily="34" charset="0"/>
+              </a:rPr>
+              <a:t> </a:t>
+            </a:r>
+            <a:r>
+              <a:rPr lang="en-US" sz="2400" b="0" i="0" dirty="0">
+                <a:solidFill>
+                  <a:srgbClr val="202122"/>
+                </a:solidFill>
+                <a:effectLst/>
+                <a:cs typeface="Arial" panose="020B0604020202020204" pitchFamily="34" charset="0"/>
+              </a:rPr>
+              <a:t>in digital communications and many others.</a:t>
+            </a:r>
+          </a:p>
+          <a:p>
+            <a:pPr algn="l"/>
+            <a:r>
+              <a:rPr lang="en-US" sz="2400" b="0" i="0" dirty="0">
+                <a:solidFill>
+                  <a:srgbClr val="202122"/>
+                </a:solidFill>
+                <a:effectLst/>
+                <a:cs typeface="Arial" panose="020B0604020202020204" pitchFamily="34" charset="0"/>
+              </a:rPr>
+              <a:t>It is shown that discrete wavelet transform (discrete in scale and shift, and continuous in time) is successfully implemented as analog filter bank in biomedical signal processing for design of low-power pacemakers and also in ultra-wideband (UWB) wireless communications.</a:t>
+            </a:r>
+          </a:p>
+        </p:txBody>
+      </p:sp>
+      <p:grpSp>
+        <p:nvGrpSpPr>
+          <p:cNvPr id="5" name="Group 4">
+            <a:extLst>
+              <a:ext uri="{FF2B5EF4-FFF2-40B4-BE49-F238E27FC236}">
+                <a16:creationId xmlns:a16="http://schemas.microsoft.com/office/drawing/2014/main" id="{B21A3472-7634-FBB9-8182-F7C48EE4791D}"/>
+              </a:ext>
+            </a:extLst>
+          </p:cNvPr>
+          <p:cNvGrpSpPr/>
+          <p:nvPr/>
+        </p:nvGrpSpPr>
+        <p:grpSpPr>
+          <a:xfrm>
+            <a:off x="7480851" y="1789043"/>
+            <a:ext cx="4403035" cy="3568849"/>
+            <a:chOff x="7480851" y="1789043"/>
+            <a:chExt cx="4403035" cy="3568849"/>
+          </a:xfrm>
+        </p:grpSpPr>
+        <p:pic>
+          <p:nvPicPr>
+            <p:cNvPr id="1026" name="Picture 2" descr="Time-frequency plane associated to the wavelet packet transform. ">
+              <a:extLst>
+                <a:ext uri="{FF2B5EF4-FFF2-40B4-BE49-F238E27FC236}">
+                  <a16:creationId xmlns:a16="http://schemas.microsoft.com/office/drawing/2014/main" id="{5DDDDF25-492E-40B7-BB57-5407D29C45E9}"/>
+                </a:ext>
+              </a:extLst>
+            </p:cNvPr>
+            <p:cNvPicPr>
+              <a:picLocks noChangeAspect="1" noChangeArrowheads="1"/>
+            </p:cNvPicPr>
+            <p:nvPr/>
+          </p:nvPicPr>
+          <p:blipFill>
+            <a:blip r:embed="rId2">
+              <a:extLst>
+                <a:ext uri="{28A0092B-C50C-407E-A947-70E740481C1C}">
+                  <a14:useLocalDpi xmlns:a14="http://schemas.microsoft.com/office/drawing/2010/main" val="0"/>
+                </a:ext>
+              </a:extLst>
+            </a:blip>
+            <a:srcRect/>
+            <a:stretch>
+              <a:fillRect/>
+            </a:stretch>
+          </p:blipFill>
+          <p:spPr bwMode="auto">
+            <a:xfrm>
+              <a:off x="7480851" y="1789043"/>
+              <a:ext cx="4403035" cy="2922518"/>
+            </a:xfrm>
+            <a:prstGeom prst="rect">
+              <a:avLst/>
+            </a:prstGeom>
+            <a:noFill/>
+            <a:extLst>
+              <a:ext uri="{909E8E84-426E-40DD-AFC4-6F175D3DCCD1}">
+                <a14:hiddenFill xmlns:a14="http://schemas.microsoft.com/office/drawing/2010/main">
+                  <a:solidFill>
+                    <a:srgbClr val="FFFFFF"/>
+                  </a:solidFill>
+                </a14:hiddenFill>
+              </a:ext>
+            </a:extLst>
+          </p:spPr>
+        </p:pic>
+        <p:sp>
+          <p:nvSpPr>
+            <p:cNvPr id="4" name="TextBox 3">
+              <a:extLst>
+                <a:ext uri="{FF2B5EF4-FFF2-40B4-BE49-F238E27FC236}">
+                  <a16:creationId xmlns:a16="http://schemas.microsoft.com/office/drawing/2014/main" id="{5E18BE0D-E48D-1079-6BC0-4653AF3B0616}"/>
+                </a:ext>
+              </a:extLst>
+            </p:cNvPr>
+            <p:cNvSpPr txBox="1"/>
+            <p:nvPr/>
+          </p:nvSpPr>
+          <p:spPr>
+            <a:xfrm>
+              <a:off x="7480851" y="4711561"/>
+              <a:ext cx="4403035" cy="646331"/>
+            </a:xfrm>
+            <a:prstGeom prst="rect">
+              <a:avLst/>
+            </a:prstGeom>
+            <a:noFill/>
+          </p:spPr>
+          <p:txBody>
+            <a:bodyPr wrap="square" rtlCol="0">
+              <a:spAutoFit/>
+            </a:bodyPr>
+            <a:lstStyle/>
+            <a:p>
+              <a:pPr algn="ctr"/>
+              <a:r>
+                <a:rPr lang="en-US" b="0" i="0" dirty="0">
+                  <a:solidFill>
+                    <a:srgbClr val="111111"/>
+                  </a:solidFill>
+                  <a:effectLst/>
+                  <a:latin typeface="Roboto" panose="020F0502020204030204" pitchFamily="2" charset="0"/>
+                </a:rPr>
+                <a:t>Time-frequency plane associated to the wavelet packet transform. </a:t>
+              </a:r>
+            </a:p>
+          </p:txBody>
+        </p:sp>
+      </p:grpSp>
+    </p:spTree>
+    <p:extLst>
+      <p:ext uri="{BB962C8B-B14F-4D97-AF65-F5344CB8AC3E}">
+        <p14:creationId xmlns:p14="http://schemas.microsoft.com/office/powerpoint/2010/main" val="4174099949"/>
+      </p:ext>
+    </p:extLst>
+  </p:cSld>
+  <p:clrMapOvr>
+    <a:masterClrMapping/>
+  </p:clrMapOvr>
+</p:sld>
+</file>
+
+<file path=ppt/slides/slide8.xml><?xml version="1.0" encoding="utf-8"?>
+<p:sld xmlns:a="http://schemas.openxmlformats.org/drawingml/2006/main" xmlns:r="http://schemas.openxmlformats.org/officeDocument/2006/relationships" xmlns:p="http://schemas.openxmlformats.org/presentationml/2006/main">
+  <p:cSld>
+    <p:spTree>
+      <p:nvGrpSpPr>
+        <p:cNvPr id="1" name=""/>
+        <p:cNvGrpSpPr/>
+        <p:nvPr/>
+      </p:nvGrpSpPr>
+      <p:grpSpPr>
+        <a:xfrm>
+          <a:off x="0" y="0"/>
+          <a:ext cx="0" cy="0"/>
+          <a:chOff x="0" y="0"/>
+          <a:chExt cx="0" cy="0"/>
+        </a:xfrm>
+      </p:grpSpPr>
+      <p:sp>
+        <p:nvSpPr>
+          <p:cNvPr id="2" name="Title 1">
+            <a:extLst>
+              <a:ext uri="{FF2B5EF4-FFF2-40B4-BE49-F238E27FC236}">
+                <a16:creationId xmlns:a16="http://schemas.microsoft.com/office/drawing/2014/main" id="{7CA66948-9675-3988-E01C-B73450E71E84}"/>
+              </a:ext>
+            </a:extLst>
+          </p:cNvPr>
+          <p:cNvSpPr>
+            <a:spLocks noGrp="1"/>
+          </p:cNvSpPr>
+          <p:nvPr>
+            <p:ph type="title"/>
+          </p:nvPr>
+        </p:nvSpPr>
+        <p:spPr>
+          <a:xfrm>
+            <a:off x="838199" y="365125"/>
+            <a:ext cx="8574158" cy="716423"/>
+          </a:xfrm>
+        </p:spPr>
+        <p:txBody>
+          <a:bodyPr>
+            <a:normAutofit/>
+          </a:bodyPr>
+          <a:lstStyle/>
+          <a:p>
+            <a:r>
+              <a:rPr lang="en-US" sz="4000" b="1" dirty="0"/>
+              <a:t>Continuous Wavelet Transform (CWT):</a:t>
+            </a:r>
+            <a:endParaRPr lang="en-IN" sz="4000" b="1" dirty="0"/>
+          </a:p>
+        </p:txBody>
+      </p:sp>
+      <mc:AlternateContent xmlns:mc="http://schemas.openxmlformats.org/markup-compatibility/2006">
+        <mc:Choice xmlns:a14="http://schemas.microsoft.com/office/drawing/2010/main" Requires="a14">
+          <p:sp>
+            <p:nvSpPr>
+              <p:cNvPr id="3" name="Content Placeholder 2">
+                <a:extLst>
+                  <a:ext uri="{FF2B5EF4-FFF2-40B4-BE49-F238E27FC236}">
+                    <a16:creationId xmlns:a16="http://schemas.microsoft.com/office/drawing/2014/main" id="{1A908C0E-5AF1-55A6-D90D-51E0009A6A4C}"/>
+                  </a:ext>
+                </a:extLst>
+              </p:cNvPr>
+              <p:cNvSpPr>
+                <a:spLocks noGrp="1"/>
+              </p:cNvSpPr>
+              <p:nvPr>
+                <p:ph idx="1"/>
+              </p:nvPr>
+            </p:nvSpPr>
+            <p:spPr>
+              <a:xfrm>
+                <a:off x="457200" y="1081547"/>
+                <a:ext cx="6609522" cy="5411327"/>
+              </a:xfrm>
+            </p:spPr>
+            <p:txBody>
+              <a:bodyPr>
+                <a:normAutofit fontScale="85000" lnSpcReduction="20000"/>
+              </a:bodyPr>
+              <a:lstStyle/>
+              <a:p>
+                <a:r>
+                  <a:rPr lang="en-US" b="0" i="0" dirty="0">
+                    <a:solidFill>
+                      <a:srgbClr val="202122"/>
+                    </a:solidFill>
+                    <a:effectLst/>
+                  </a:rPr>
+                  <a:t>In definition, the continuous wavelet transform is a convolution of the input data sequence with a set of functions generated by the mother wavelet.</a:t>
+                </a:r>
+              </a:p>
+              <a:p>
+                <a:r>
+                  <a:rPr lang="en-US" b="0" i="0" dirty="0">
+                    <a:solidFill>
+                      <a:srgbClr val="202122"/>
+                    </a:solidFill>
+                    <a:effectLst/>
+                  </a:rPr>
+                  <a:t>The convolution can be computed by using a fast Fourier transform (FFT) algorithm.</a:t>
+                </a:r>
+                <a:endParaRPr lang="en-US" dirty="0"/>
+              </a:p>
+              <a:p>
+                <a:r>
+                  <a:rPr lang="en-US" dirty="0"/>
+                  <a:t>Integral Wavelet Transform is given by</a:t>
+                </a:r>
+              </a:p>
+              <a:p>
+                <a:pPr marL="0" indent="0">
+                  <a:buNone/>
+                </a:pPr>
+                <a14:m>
+                  <m:oMathPara xmlns:m="http://schemas.openxmlformats.org/officeDocument/2006/math">
+                    <m:oMathParaPr>
+                      <m:jc m:val="centerGroup"/>
+                    </m:oMathParaPr>
+                    <m:oMath xmlns:m="http://schemas.openxmlformats.org/officeDocument/2006/math">
+                      <m:sSub>
+                        <m:sSubPr>
+                          <m:ctrlPr>
+                            <a:rPr lang="en-US" i="1" smtClean="0"/>
+                          </m:ctrlPr>
+                        </m:sSubPr>
+                        <m:e>
+                          <m:r>
+                            <a:rPr lang="en-US" b="0" i="1" smtClean="0"/>
+                            <m:t>[</m:t>
+                          </m:r>
+                          <m:r>
+                            <a:rPr lang="en-US" b="0" i="1" smtClean="0"/>
+                            <m:t>𝑊</m:t>
+                          </m:r>
+                        </m:e>
+                        <m:sub>
+                          <m:r>
+                            <a:rPr lang="en-US" i="1" smtClean="0">
+                              <a:ea typeface="Cambria Math" panose="02040503050406030204" pitchFamily="18" charset="0"/>
+                            </a:rPr>
+                            <m:t>𝜓</m:t>
+                          </m:r>
+                        </m:sub>
+                      </m:sSub>
+                      <m:r>
+                        <a:rPr lang="en-US" b="0" i="1" smtClean="0"/>
+                        <m:t>]</m:t>
+                      </m:r>
+                      <m:d>
+                        <m:dPr>
+                          <m:ctrlPr>
+                            <a:rPr lang="en-US" b="0" i="1" smtClean="0"/>
+                          </m:ctrlPr>
+                        </m:dPr>
+                        <m:e>
+                          <m:r>
+                            <a:rPr lang="en-US" b="0" i="1" smtClean="0"/>
+                            <m:t>𝑎</m:t>
+                          </m:r>
+                          <m:r>
+                            <a:rPr lang="en-US" b="0" i="1" smtClean="0"/>
+                            <m:t>,</m:t>
+                          </m:r>
+                          <m:r>
+                            <a:rPr lang="en-US" b="0" i="1" smtClean="0"/>
+                            <m:t>𝑏</m:t>
+                          </m:r>
+                        </m:e>
+                      </m:d>
+                      <m:r>
+                        <a:rPr lang="en-US" b="0" i="1" smtClean="0"/>
+                        <m:t>=</m:t>
+                      </m:r>
+                      <m:f>
+                        <m:fPr>
+                          <m:ctrlPr>
+                            <a:rPr lang="en-US" b="0" i="1" smtClean="0"/>
+                          </m:ctrlPr>
+                        </m:fPr>
+                        <m:num>
+                          <m:r>
+                            <a:rPr lang="en-US" b="0" i="1" smtClean="0"/>
+                            <m:t>1</m:t>
+                          </m:r>
+                        </m:num>
+                        <m:den>
+                          <m:rad>
+                            <m:radPr>
+                              <m:degHide m:val="on"/>
+                              <m:ctrlPr>
+                                <a:rPr lang="en-US" b="0" i="1" smtClean="0">
+                                  <a:ea typeface="Cambria Math" panose="02040503050406030204" pitchFamily="18" charset="0"/>
+                                </a:rPr>
+                              </m:ctrlPr>
+                            </m:radPr>
+                            <m:deg/>
+                            <m:e>
+                              <m:r>
+                                <a:rPr lang="en-US" b="0" i="1" smtClean="0">
+                                  <a:ea typeface="Cambria Math" panose="02040503050406030204" pitchFamily="18" charset="0"/>
+                                </a:rPr>
+                                <m:t>𝑎</m:t>
+                              </m:r>
+                            </m:e>
+                          </m:rad>
+                        </m:den>
+                      </m:f>
+                      <m:nary>
+                        <m:naryPr>
+                          <m:limLoc m:val="undOvr"/>
+                          <m:ctrlPr>
+                            <a:rPr lang="en-US" b="0" i="1" smtClean="0"/>
+                          </m:ctrlPr>
+                        </m:naryPr>
+                        <m:sub>
+                          <m:r>
+                            <m:rPr>
+                              <m:brk m:alnAt="24"/>
+                            </m:rPr>
+                            <a:rPr lang="en-US" b="0" i="1" smtClean="0"/>
+                            <m:t>−</m:t>
+                          </m:r>
+                          <m:r>
+                            <a:rPr lang="en-US" b="0" i="1" smtClean="0">
+                              <a:ea typeface="Cambria Math" panose="02040503050406030204" pitchFamily="18" charset="0"/>
+                            </a:rPr>
+                            <m:t>∞</m:t>
+                          </m:r>
+                        </m:sub>
+                        <m:sup>
+                          <m:r>
+                            <a:rPr lang="en-US" b="0" i="1" smtClean="0">
+                              <a:ea typeface="Cambria Math" panose="02040503050406030204" pitchFamily="18" charset="0"/>
+                            </a:rPr>
+                            <m:t>∞</m:t>
+                          </m:r>
+                        </m:sup>
+                        <m:e>
+                          <m:acc>
+                            <m:accPr>
+                              <m:chr m:val="̅"/>
+                              <m:ctrlPr>
+                                <a:rPr lang="en-US" b="0" i="1" smtClean="0">
+                                  <a:ea typeface="Cambria Math" panose="02040503050406030204" pitchFamily="18" charset="0"/>
+                                </a:rPr>
+                              </m:ctrlPr>
+                            </m:accPr>
+                            <m:e>
+                              <m:r>
+                                <a:rPr lang="en-US" i="1">
+                                  <a:ea typeface="Cambria Math" panose="02040503050406030204" pitchFamily="18" charset="0"/>
+                                </a:rPr>
+                                <m:t>𝜓</m:t>
+                              </m:r>
+                              <m:d>
+                                <m:dPr>
+                                  <m:ctrlPr>
+                                    <a:rPr lang="en-US" i="1">
+                                      <a:ea typeface="Cambria Math" panose="02040503050406030204" pitchFamily="18" charset="0"/>
+                                    </a:rPr>
+                                  </m:ctrlPr>
+                                </m:dPr>
+                                <m:e>
+                                  <m:f>
+                                    <m:fPr>
+                                      <m:ctrlPr>
+                                        <a:rPr lang="en-US" i="1">
+                                          <a:ea typeface="Cambria Math" panose="02040503050406030204" pitchFamily="18" charset="0"/>
+                                        </a:rPr>
+                                      </m:ctrlPr>
+                                    </m:fPr>
+                                    <m:num>
+                                      <m:r>
+                                        <a:rPr lang="en-US" i="1">
+                                          <a:ea typeface="Cambria Math" panose="02040503050406030204" pitchFamily="18" charset="0"/>
+                                        </a:rPr>
+                                        <m:t>𝑥</m:t>
+                                      </m:r>
+                                      <m:r>
+                                        <a:rPr lang="en-US" i="1">
+                                          <a:ea typeface="Cambria Math" panose="02040503050406030204" pitchFamily="18" charset="0"/>
+                                        </a:rPr>
+                                        <m:t>−</m:t>
+                                      </m:r>
+                                      <m:r>
+                                        <a:rPr lang="en-US" i="1">
+                                          <a:ea typeface="Cambria Math" panose="02040503050406030204" pitchFamily="18" charset="0"/>
+                                        </a:rPr>
+                                        <m:t>𝑏</m:t>
+                                      </m:r>
+                                    </m:num>
+                                    <m:den>
+                                      <m:r>
+                                        <a:rPr lang="en-US" i="1">
+                                          <a:ea typeface="Cambria Math" panose="02040503050406030204" pitchFamily="18" charset="0"/>
+                                        </a:rPr>
+                                        <m:t>𝑎</m:t>
+                                      </m:r>
+                                    </m:den>
+                                  </m:f>
+                                </m:e>
+                              </m:d>
+                            </m:e>
+                          </m:acc>
+                        </m:e>
+                      </m:nary>
+                      <m:r>
+                        <a:rPr lang="en-US" b="0" i="1" smtClean="0"/>
+                        <m:t> </m:t>
+                      </m:r>
+                      <m:r>
+                        <a:rPr lang="en-US" b="0" i="1" smtClean="0"/>
+                        <m:t>𝑓</m:t>
+                      </m:r>
+                      <m:d>
+                        <m:dPr>
+                          <m:ctrlPr>
+                            <a:rPr lang="en-US" b="0" i="1" smtClean="0"/>
+                          </m:ctrlPr>
+                        </m:dPr>
+                        <m:e>
+                          <m:r>
+                            <a:rPr lang="en-US" b="0" i="1" smtClean="0"/>
+                            <m:t>𝑥</m:t>
+                          </m:r>
+                        </m:e>
+                      </m:d>
+                      <m:r>
+                        <a:rPr lang="en-US" b="0" i="1" smtClean="0"/>
+                        <m:t> </m:t>
+                      </m:r>
+                      <m:r>
+                        <a:rPr lang="en-US" b="0" i="1" smtClean="0"/>
+                        <m:t>𝑑𝑥</m:t>
+                      </m:r>
+                    </m:oMath>
+                  </m:oMathPara>
+                </a14:m>
+                <a:endParaRPr lang="en-US" dirty="0"/>
+              </a:p>
+              <a:p>
+                <a:pPr marL="0" indent="0">
+                  <a:buNone/>
+                </a:pPr>
+                <a:r>
+                  <a:rPr lang="en-US" dirty="0"/>
+                  <a:t>The coefficients a and b (Scale Factors) refers to</a:t>
+                </a:r>
+              </a:p>
+              <a:p>
+                <a:pPr marL="0" indent="0">
+                  <a:buNone/>
+                </a:pPr>
+                <a:r>
+                  <a:rPr lang="en-US" dirty="0"/>
+                  <a:t>	a = dyadic/binary dilation</a:t>
+                </a:r>
+              </a:p>
+              <a:p>
+                <a:pPr marL="0" indent="0">
+                  <a:buNone/>
+                </a:pPr>
+                <a:r>
+                  <a:rPr lang="en-US" dirty="0"/>
+                  <a:t>	b = binary/dyadic position</a:t>
+                </a:r>
+              </a:p>
+              <a:p>
+                <a:pPr marL="0" indent="0">
+                  <a:buNone/>
+                </a:pPr>
+                <a:r>
+                  <a:rPr lang="en-US" dirty="0"/>
+                  <a:t>where,</a:t>
+                </a:r>
+              </a:p>
+              <a:p>
+                <a:pPr marL="0" indent="0">
+                  <a:buNone/>
+                </a:pPr>
+                <a:r>
+                  <a:rPr lang="en-US" dirty="0"/>
+                  <a:t>a – corresponds to dilation</a:t>
+                </a:r>
+              </a:p>
+              <a:p>
+                <a:pPr marL="0" indent="0">
+                  <a:buNone/>
+                </a:pPr>
+                <a:r>
+                  <a:rPr lang="en-US" dirty="0"/>
+                  <a:t>b – corresponds to translation	</a:t>
+                </a:r>
+              </a:p>
+              <a:p>
+                <a:endParaRPr lang="en-IN" dirty="0"/>
+              </a:p>
+            </p:txBody>
+          </p:sp>
+        </mc:Choice>
+        <mc:Fallback>
+          <p:sp>
+            <p:nvSpPr>
+              <p:cNvPr id="3" name="Content Placeholder 2">
+                <a:extLst>
+                  <a:ext uri="{FF2B5EF4-FFF2-40B4-BE49-F238E27FC236}">
+                    <a16:creationId xmlns:a16="http://schemas.microsoft.com/office/drawing/2014/main" id="{1A908C0E-5AF1-55A6-D90D-51E0009A6A4C}"/>
+                  </a:ext>
+                </a:extLst>
+              </p:cNvPr>
+              <p:cNvSpPr>
+                <a:spLocks noGrp="1" noRot="1" noChangeAspect="1" noMove="1" noResize="1" noEditPoints="1" noAdjustHandles="1" noChangeArrowheads="1" noChangeShapeType="1" noTextEdit="1"/>
+              </p:cNvSpPr>
+              <p:nvPr>
+                <p:ph idx="1"/>
+              </p:nvPr>
+            </p:nvSpPr>
+            <p:spPr>
+              <a:xfrm>
+                <a:off x="457200" y="1081547"/>
+                <a:ext cx="6609522" cy="5411327"/>
+              </a:xfrm>
+              <a:blipFill>
+                <a:blip r:embed="rId3"/>
+                <a:stretch>
+                  <a:fillRect l="-1384" t="-2590" r="-1384"/>
+                </a:stretch>
+              </a:blipFill>
+            </p:spPr>
+            <p:txBody>
+              <a:bodyPr/>
+              <a:lstStyle/>
+              <a:p>
+                <a:r>
+                  <a:rPr lang="en-IN">
+                    <a:noFill/>
+                  </a:rPr>
+                  <a:t> </a:t>
+                </a:r>
+              </a:p>
+            </p:txBody>
+          </p:sp>
+        </mc:Fallback>
+      </mc:AlternateContent>
+      <p:pic>
+        <p:nvPicPr>
+          <p:cNvPr id="2050" name="Picture 2">
+            <a:extLst>
+              <a:ext uri="{FF2B5EF4-FFF2-40B4-BE49-F238E27FC236}">
+                <a16:creationId xmlns:a16="http://schemas.microsoft.com/office/drawing/2014/main" id="{F0BF075D-A33C-700E-F8DE-A65487AFDF55}"/>
+              </a:ext>
+            </a:extLst>
+          </p:cNvPr>
+          <p:cNvPicPr>
+            <a:picLocks noChangeAspect="1" noChangeArrowheads="1"/>
+          </p:cNvPicPr>
+          <p:nvPr/>
+        </p:nvPicPr>
+        <p:blipFill>
+          <a:blip r:embed="rId4">
+            <a:extLst>
+              <a:ext uri="{28A0092B-C50C-407E-A947-70E740481C1C}">
+                <a14:useLocalDpi xmlns:a14="http://schemas.microsoft.com/office/drawing/2010/main" val="0"/>
+              </a:ext>
+            </a:extLst>
+          </a:blip>
+          <a:srcRect/>
+          <a:stretch>
+            <a:fillRect/>
+          </a:stretch>
+        </p:blipFill>
+        <p:spPr bwMode="auto">
+          <a:xfrm>
+            <a:off x="7156174" y="2256183"/>
+            <a:ext cx="4348697" cy="2753139"/>
+          </a:xfrm>
+          <a:prstGeom prst="rect">
+            <a:avLst/>
+          </a:prstGeom>
+          <a:noFill/>
+          <a:extLst>
+            <a:ext uri="{909E8E84-426E-40DD-AFC4-6F175D3DCCD1}">
+              <a14:hiddenFill xmlns:a14="http://schemas.microsoft.com/office/drawing/2010/main">
+                <a:solidFill>
+                  <a:srgbClr val="FFFFFF"/>
+                </a:solidFill>
+              </a14:hiddenFill>
+            </a:ext>
+          </a:extLst>
+        </p:spPr>
+      </p:pic>
+    </p:spTree>
+    <p:extLst>
+      <p:ext uri="{BB962C8B-B14F-4D97-AF65-F5344CB8AC3E}">
+        <p14:creationId xmlns:p14="http://schemas.microsoft.com/office/powerpoint/2010/main" val="2418124985"/>
+      </p:ext>
+    </p:extLst>
+  </p:cSld>
+  <p:clrMapOvr>
+    <a:masterClrMapping/>
+  </p:clrMapOvr>
+</p:sld>
+</file>
+
+<file path=ppt/slides/slide9.xml><?xml version="1.0" encoding="utf-8"?>
+<p:sld xmlns:a="http://schemas.openxmlformats.org/drawingml/2006/main" xmlns:r="http://schemas.openxmlformats.org/officeDocument/2006/relationships" xmlns:p="http://schemas.openxmlformats.org/presentationml/2006/main">
+  <p:cSld>
+    <p:spTree>
+      <p:nvGrpSpPr>
+        <p:cNvPr id="1" name=""/>
+        <p:cNvGrpSpPr/>
+        <p:nvPr/>
+      </p:nvGrpSpPr>
+      <p:grpSpPr>
+        <a:xfrm>
+          <a:off x="0" y="0"/>
+          <a:ext cx="0" cy="0"/>
+          <a:chOff x="0" y="0"/>
+          <a:chExt cx="0" cy="0"/>
+        </a:xfrm>
+      </p:grpSpPr>
+      <p:sp>
+        <p:nvSpPr>
+          <p:cNvPr id="2" name="Title 1">
+            <a:extLst>
+              <a:ext uri="{FF2B5EF4-FFF2-40B4-BE49-F238E27FC236}">
+                <a16:creationId xmlns:a16="http://schemas.microsoft.com/office/drawing/2014/main" id="{7CA66948-9675-3988-E01C-B73450E71E84}"/>
+              </a:ext>
+            </a:extLst>
+          </p:cNvPr>
+          <p:cNvSpPr>
+            <a:spLocks noGrp="1"/>
+          </p:cNvSpPr>
+          <p:nvPr>
+            <p:ph type="title"/>
+          </p:nvPr>
+        </p:nvSpPr>
+        <p:spPr>
+          <a:xfrm>
+            <a:off x="768626" y="232349"/>
+            <a:ext cx="6781800" cy="716423"/>
+          </a:xfrm>
+        </p:spPr>
+        <p:txBody>
+          <a:bodyPr>
+            <a:normAutofit/>
+          </a:bodyPr>
+          <a:lstStyle/>
+          <a:p>
+            <a:r>
+              <a:rPr lang="en-US" sz="4000" b="1" dirty="0"/>
+              <a:t>Applications of CWT:</a:t>
+            </a:r>
+            <a:endParaRPr lang="en-IN" sz="4000" b="1" dirty="0"/>
+          </a:p>
+        </p:txBody>
+      </p:sp>
+      <p:sp>
+        <p:nvSpPr>
+          <p:cNvPr id="3" name="Content Placeholder 2">
+            <a:extLst>
+              <a:ext uri="{FF2B5EF4-FFF2-40B4-BE49-F238E27FC236}">
+                <a16:creationId xmlns:a16="http://schemas.microsoft.com/office/drawing/2014/main" id="{1A908C0E-5AF1-55A6-D90D-51E0009A6A4C}"/>
+              </a:ext>
+            </a:extLst>
+          </p:cNvPr>
+          <p:cNvSpPr>
+            <a:spLocks noGrp="1"/>
+          </p:cNvSpPr>
+          <p:nvPr>
+            <p:ph idx="1"/>
+          </p:nvPr>
+        </p:nvSpPr>
+        <p:spPr>
+          <a:xfrm>
+            <a:off x="768626" y="948772"/>
+            <a:ext cx="10134599" cy="2109980"/>
+          </a:xfrm>
+        </p:spPr>
+        <p:txBody>
+          <a:bodyPr>
+            <a:normAutofit/>
+          </a:bodyPr>
+          <a:lstStyle/>
+          <a:p>
+            <a:pPr algn="l"/>
+            <a:r>
+              <a:rPr lang="en-US" b="0" i="0" dirty="0">
+                <a:solidFill>
+                  <a:srgbClr val="202122"/>
+                </a:solidFill>
+                <a:effectLst/>
+                <a:latin typeface="Arial" panose="020B0604020202020204" pitchFamily="34" charset="0"/>
+              </a:rPr>
+              <a:t>Continuous Wavelet Transform (CWT) is very efficient in determining the damping ratio of oscillating signals</a:t>
+            </a:r>
+          </a:p>
+          <a:p>
+            <a:pPr marL="0" indent="0" algn="l">
+              <a:buNone/>
+            </a:pPr>
+            <a:r>
+              <a:rPr lang="en-US" b="0" i="0" dirty="0">
+                <a:solidFill>
+                  <a:srgbClr val="202122"/>
+                </a:solidFill>
+                <a:effectLst/>
+                <a:latin typeface="Arial" panose="020B0604020202020204" pitchFamily="34" charset="0"/>
+              </a:rPr>
+              <a:t>(e.g. identification of damping in dynamic systems).</a:t>
+            </a:r>
+          </a:p>
+          <a:p>
+            <a:pPr algn="l"/>
+            <a:r>
+              <a:rPr lang="en-US" b="0" i="0" dirty="0">
+                <a:solidFill>
+                  <a:srgbClr val="202122"/>
+                </a:solidFill>
+                <a:effectLst/>
+                <a:latin typeface="Arial" panose="020B0604020202020204" pitchFamily="34" charset="0"/>
+              </a:rPr>
+              <a:t>CWT is also very resistant to the noise in the signal.</a:t>
+            </a:r>
+          </a:p>
+        </p:txBody>
+      </p:sp>
+      <p:grpSp>
+        <p:nvGrpSpPr>
+          <p:cNvPr id="5" name="Group 4">
+            <a:extLst>
+              <a:ext uri="{FF2B5EF4-FFF2-40B4-BE49-F238E27FC236}">
+                <a16:creationId xmlns:a16="http://schemas.microsoft.com/office/drawing/2014/main" id="{52D29D8E-CFCD-6494-011D-8CB7F71491C2}"/>
+              </a:ext>
+            </a:extLst>
+          </p:cNvPr>
+          <p:cNvGrpSpPr/>
+          <p:nvPr/>
+        </p:nvGrpSpPr>
+        <p:grpSpPr>
+          <a:xfrm>
+            <a:off x="417443" y="3058752"/>
+            <a:ext cx="11400183" cy="3228344"/>
+            <a:chOff x="417443" y="3058752"/>
+            <a:chExt cx="11400183" cy="3228344"/>
+          </a:xfrm>
+        </p:grpSpPr>
+        <p:pic>
+          <p:nvPicPr>
+            <p:cNvPr id="2050" name="Picture 2" descr="Analyzing a hyperbolic chirp signal (left) with two components that vary over time in MATLAB. The short-time Fourier transform (center) does not clearly distinguish the instantaneous frequencies, but the continuous wavelet transform (right) accurately captures them">
+              <a:extLst>
+                <a:ext uri="{FF2B5EF4-FFF2-40B4-BE49-F238E27FC236}">
+                  <a16:creationId xmlns:a16="http://schemas.microsoft.com/office/drawing/2014/main" id="{868AF435-47AD-4D09-E07F-88B22F06CB54}"/>
+                </a:ext>
+              </a:extLst>
+            </p:cNvPr>
+            <p:cNvPicPr>
+              <a:picLocks noChangeAspect="1" noChangeArrowheads="1"/>
+            </p:cNvPicPr>
+            <p:nvPr/>
+          </p:nvPicPr>
+          <p:blipFill>
+            <a:blip r:embed="rId3">
+              <a:extLst>
+                <a:ext uri="{28A0092B-C50C-407E-A947-70E740481C1C}">
+                  <a14:useLocalDpi xmlns:a14="http://schemas.microsoft.com/office/drawing/2010/main" val="0"/>
+                </a:ext>
+              </a:extLst>
+            </a:blip>
+            <a:srcRect/>
+            <a:stretch>
+              <a:fillRect/>
+            </a:stretch>
+          </p:blipFill>
+          <p:spPr bwMode="auto">
+            <a:xfrm>
+              <a:off x="768626" y="3058752"/>
+              <a:ext cx="10477500" cy="2619375"/>
+            </a:xfrm>
+            <a:prstGeom prst="rect">
+              <a:avLst/>
+            </a:prstGeom>
+            <a:noFill/>
+            <a:extLst>
+              <a:ext uri="{909E8E84-426E-40DD-AFC4-6F175D3DCCD1}">
+                <a14:hiddenFill xmlns:a14="http://schemas.microsoft.com/office/drawing/2010/main">
+                  <a:solidFill>
+                    <a:srgbClr val="FFFFFF"/>
+                  </a:solidFill>
+                </a14:hiddenFill>
+              </a:ext>
+            </a:extLst>
+          </p:spPr>
+        </p:pic>
+        <p:sp>
+          <p:nvSpPr>
+            <p:cNvPr id="4" name="TextBox 3">
+              <a:extLst>
+                <a:ext uri="{FF2B5EF4-FFF2-40B4-BE49-F238E27FC236}">
+                  <a16:creationId xmlns:a16="http://schemas.microsoft.com/office/drawing/2014/main" id="{8558053D-33D3-DE0E-AAD7-6030502027C5}"/>
+                </a:ext>
+              </a:extLst>
+            </p:cNvPr>
+            <p:cNvSpPr txBox="1"/>
+            <p:nvPr/>
+          </p:nvSpPr>
+          <p:spPr>
+            <a:xfrm>
+              <a:off x="417443" y="5702321"/>
+              <a:ext cx="11400183" cy="584775"/>
+            </a:xfrm>
+            <a:prstGeom prst="rect">
+              <a:avLst/>
+            </a:prstGeom>
+            <a:noFill/>
+          </p:spPr>
+          <p:txBody>
+            <a:bodyPr wrap="square" rtlCol="0">
+              <a:spAutoFit/>
+            </a:bodyPr>
+            <a:lstStyle/>
+            <a:p>
+              <a:r>
+                <a:rPr lang="en-US" sz="1600" b="0" i="1" dirty="0">
+                  <a:effectLst/>
+                  <a:latin typeface="Roboto" panose="02000000000000000000" pitchFamily="2" charset="0"/>
+                </a:rPr>
+                <a:t>Analyzing a hyperbolic chirp signal (left) with two components that vary over time in MATLAB. The short-time Fourier transform (center) does not clearly distinguish the instantaneous frequencies, but the continuous wavelet transform (right) accurately captures them</a:t>
+              </a:r>
+              <a:endParaRPr lang="en-IN" sz="1600" dirty="0"/>
+            </a:p>
+          </p:txBody>
+        </p:sp>
+      </p:grpSp>
+    </p:spTree>
+    <p:extLst>
+      <p:ext uri="{BB962C8B-B14F-4D97-AF65-F5344CB8AC3E}">
+        <p14:creationId xmlns:p14="http://schemas.microsoft.com/office/powerpoint/2010/main" val="1672410174"/>
       </p:ext>
     </p:extLst>
   </p:cSld>
